--- a/presentations/02_OOP.pptx
+++ b/presentations/02_OOP.pptx
@@ -24,14 +24,6 @@
     <p:sldId id="269" r:id="rId21"/>
     <p:sldId id="270" r:id="rId22"/>
     <p:sldId id="271" r:id="rId23"/>
-    <p:sldId id="272" r:id="rId24"/>
-    <p:sldId id="273" r:id="rId25"/>
-    <p:sldId id="274" r:id="rId26"/>
-    <p:sldId id="275" r:id="rId27"/>
-    <p:sldId id="276" r:id="rId28"/>
-    <p:sldId id="277" r:id="rId29"/>
-    <p:sldId id="278" r:id="rId30"/>
-    <p:sldId id="279" r:id="rId31"/>
   </p:sldIdLst>
   <p:sldSz cx="9144000" cy="6858000"/>
   <p:notesSz cx="6858000" cy="9144000"/>
@@ -86,10 +78,10 @@
         </a:solidFill>
         <a:effectLst/>
         <a:uFillTx/>
-        <a:latin typeface="Arial"/>
-        <a:ea typeface="Arial"/>
-        <a:cs typeface="Arial"/>
-        <a:sym typeface="Arial"/>
+        <a:latin typeface="+mj-lt"/>
+        <a:ea typeface="+mj-ea"/>
+        <a:cs typeface="+mj-cs"/>
+        <a:sym typeface="Helvetica"/>
       </a:defRPr>
     </a:lvl1pPr>
     <a:lvl2pPr marL="0" marR="0" indent="0" algn="l" defTabSz="914400" rtl="0" fontAlgn="auto" latinLnBrk="0" hangingPunct="0">
@@ -116,10 +108,10 @@
         </a:solidFill>
         <a:effectLst/>
         <a:uFillTx/>
-        <a:latin typeface="Arial"/>
-        <a:ea typeface="Arial"/>
-        <a:cs typeface="Arial"/>
-        <a:sym typeface="Arial"/>
+        <a:latin typeface="+mj-lt"/>
+        <a:ea typeface="+mj-ea"/>
+        <a:cs typeface="+mj-cs"/>
+        <a:sym typeface="Helvetica"/>
       </a:defRPr>
     </a:lvl2pPr>
     <a:lvl3pPr marL="0" marR="0" indent="0" algn="l" defTabSz="914400" rtl="0" fontAlgn="auto" latinLnBrk="0" hangingPunct="0">
@@ -146,10 +138,10 @@
         </a:solidFill>
         <a:effectLst/>
         <a:uFillTx/>
-        <a:latin typeface="Arial"/>
-        <a:ea typeface="Arial"/>
-        <a:cs typeface="Arial"/>
-        <a:sym typeface="Arial"/>
+        <a:latin typeface="+mj-lt"/>
+        <a:ea typeface="+mj-ea"/>
+        <a:cs typeface="+mj-cs"/>
+        <a:sym typeface="Helvetica"/>
       </a:defRPr>
     </a:lvl3pPr>
     <a:lvl4pPr marL="0" marR="0" indent="0" algn="l" defTabSz="914400" rtl="0" fontAlgn="auto" latinLnBrk="0" hangingPunct="0">
@@ -176,10 +168,10 @@
         </a:solidFill>
         <a:effectLst/>
         <a:uFillTx/>
-        <a:latin typeface="Arial"/>
-        <a:ea typeface="Arial"/>
-        <a:cs typeface="Arial"/>
-        <a:sym typeface="Arial"/>
+        <a:latin typeface="+mj-lt"/>
+        <a:ea typeface="+mj-ea"/>
+        <a:cs typeface="+mj-cs"/>
+        <a:sym typeface="Helvetica"/>
       </a:defRPr>
     </a:lvl4pPr>
     <a:lvl5pPr marL="0" marR="0" indent="0" algn="l" defTabSz="914400" rtl="0" fontAlgn="auto" latinLnBrk="0" hangingPunct="0">
@@ -206,10 +198,10 @@
         </a:solidFill>
         <a:effectLst/>
         <a:uFillTx/>
-        <a:latin typeface="Arial"/>
-        <a:ea typeface="Arial"/>
-        <a:cs typeface="Arial"/>
-        <a:sym typeface="Arial"/>
+        <a:latin typeface="+mj-lt"/>
+        <a:ea typeface="+mj-ea"/>
+        <a:cs typeface="+mj-cs"/>
+        <a:sym typeface="Helvetica"/>
       </a:defRPr>
     </a:lvl5pPr>
     <a:lvl6pPr marL="0" marR="0" indent="0" algn="l" defTabSz="914400" rtl="0" fontAlgn="auto" latinLnBrk="0" hangingPunct="0">
@@ -236,10 +228,10 @@
         </a:solidFill>
         <a:effectLst/>
         <a:uFillTx/>
-        <a:latin typeface="Arial"/>
-        <a:ea typeface="Arial"/>
-        <a:cs typeface="Arial"/>
-        <a:sym typeface="Arial"/>
+        <a:latin typeface="+mj-lt"/>
+        <a:ea typeface="+mj-ea"/>
+        <a:cs typeface="+mj-cs"/>
+        <a:sym typeface="Helvetica"/>
       </a:defRPr>
     </a:lvl6pPr>
     <a:lvl7pPr marL="0" marR="0" indent="0" algn="l" defTabSz="914400" rtl="0" fontAlgn="auto" latinLnBrk="0" hangingPunct="0">
@@ -266,10 +258,10 @@
         </a:solidFill>
         <a:effectLst/>
         <a:uFillTx/>
-        <a:latin typeface="Arial"/>
-        <a:ea typeface="Arial"/>
-        <a:cs typeface="Arial"/>
-        <a:sym typeface="Arial"/>
+        <a:latin typeface="+mj-lt"/>
+        <a:ea typeface="+mj-ea"/>
+        <a:cs typeface="+mj-cs"/>
+        <a:sym typeface="Helvetica"/>
       </a:defRPr>
     </a:lvl7pPr>
     <a:lvl8pPr marL="0" marR="0" indent="0" algn="l" defTabSz="914400" rtl="0" fontAlgn="auto" latinLnBrk="0" hangingPunct="0">
@@ -296,10 +288,10 @@
         </a:solidFill>
         <a:effectLst/>
         <a:uFillTx/>
-        <a:latin typeface="Arial"/>
-        <a:ea typeface="Arial"/>
-        <a:cs typeface="Arial"/>
-        <a:sym typeface="Arial"/>
+        <a:latin typeface="+mj-lt"/>
+        <a:ea typeface="+mj-ea"/>
+        <a:cs typeface="+mj-cs"/>
+        <a:sym typeface="Helvetica"/>
       </a:defRPr>
     </a:lvl8pPr>
     <a:lvl9pPr marL="0" marR="0" indent="0" algn="l" defTabSz="914400" rtl="0" fontAlgn="auto" latinLnBrk="0" hangingPunct="0">
@@ -326,10 +318,10 @@
         </a:solidFill>
         <a:effectLst/>
         <a:uFillTx/>
-        <a:latin typeface="Arial"/>
-        <a:ea typeface="Arial"/>
-        <a:cs typeface="Arial"/>
-        <a:sym typeface="Arial"/>
+        <a:latin typeface="+mj-lt"/>
+        <a:ea typeface="+mj-ea"/>
+        <a:cs typeface="+mj-cs"/>
+        <a:sym typeface="Helvetica"/>
       </a:defRPr>
     </a:lvl9pPr>
   </p:defaultTextStyle>
@@ -413,73 +405,73 @@
   <p:notesStyle>
     <a:lvl1pPr latinLnBrk="0">
       <a:defRPr>
-        <a:latin typeface="+mj-lt"/>
-        <a:ea typeface="+mj-ea"/>
-        <a:cs typeface="+mj-cs"/>
+        <a:latin typeface="+mn-lt"/>
+        <a:ea typeface="+mn-ea"/>
+        <a:cs typeface="+mn-cs"/>
         <a:sym typeface="Helvetica Neue"/>
       </a:defRPr>
     </a:lvl1pPr>
     <a:lvl2pPr indent="228600" latinLnBrk="0">
       <a:defRPr>
-        <a:latin typeface="+mj-lt"/>
-        <a:ea typeface="+mj-ea"/>
-        <a:cs typeface="+mj-cs"/>
+        <a:latin typeface="+mn-lt"/>
+        <a:ea typeface="+mn-ea"/>
+        <a:cs typeface="+mn-cs"/>
         <a:sym typeface="Helvetica Neue"/>
       </a:defRPr>
     </a:lvl2pPr>
     <a:lvl3pPr indent="457200" latinLnBrk="0">
       <a:defRPr>
-        <a:latin typeface="+mj-lt"/>
-        <a:ea typeface="+mj-ea"/>
-        <a:cs typeface="+mj-cs"/>
+        <a:latin typeface="+mn-lt"/>
+        <a:ea typeface="+mn-ea"/>
+        <a:cs typeface="+mn-cs"/>
         <a:sym typeface="Helvetica Neue"/>
       </a:defRPr>
     </a:lvl3pPr>
     <a:lvl4pPr indent="685800" latinLnBrk="0">
       <a:defRPr>
-        <a:latin typeface="+mj-lt"/>
-        <a:ea typeface="+mj-ea"/>
-        <a:cs typeface="+mj-cs"/>
+        <a:latin typeface="+mn-lt"/>
+        <a:ea typeface="+mn-ea"/>
+        <a:cs typeface="+mn-cs"/>
         <a:sym typeface="Helvetica Neue"/>
       </a:defRPr>
     </a:lvl4pPr>
     <a:lvl5pPr indent="914400" latinLnBrk="0">
       <a:defRPr>
-        <a:latin typeface="+mj-lt"/>
-        <a:ea typeface="+mj-ea"/>
-        <a:cs typeface="+mj-cs"/>
+        <a:latin typeface="+mn-lt"/>
+        <a:ea typeface="+mn-ea"/>
+        <a:cs typeface="+mn-cs"/>
         <a:sym typeface="Helvetica Neue"/>
       </a:defRPr>
     </a:lvl5pPr>
     <a:lvl6pPr indent="1143000" latinLnBrk="0">
       <a:defRPr>
-        <a:latin typeface="+mj-lt"/>
-        <a:ea typeface="+mj-ea"/>
-        <a:cs typeface="+mj-cs"/>
+        <a:latin typeface="+mn-lt"/>
+        <a:ea typeface="+mn-ea"/>
+        <a:cs typeface="+mn-cs"/>
         <a:sym typeface="Helvetica Neue"/>
       </a:defRPr>
     </a:lvl6pPr>
     <a:lvl7pPr indent="1371600" latinLnBrk="0">
       <a:defRPr>
-        <a:latin typeface="+mj-lt"/>
-        <a:ea typeface="+mj-ea"/>
-        <a:cs typeface="+mj-cs"/>
+        <a:latin typeface="+mn-lt"/>
+        <a:ea typeface="+mn-ea"/>
+        <a:cs typeface="+mn-cs"/>
         <a:sym typeface="Helvetica Neue"/>
       </a:defRPr>
     </a:lvl7pPr>
     <a:lvl8pPr indent="1600200" latinLnBrk="0">
       <a:defRPr>
-        <a:latin typeface="+mj-lt"/>
-        <a:ea typeface="+mj-ea"/>
-        <a:cs typeface="+mj-cs"/>
+        <a:latin typeface="+mn-lt"/>
+        <a:ea typeface="+mn-ea"/>
+        <a:cs typeface="+mn-cs"/>
         <a:sym typeface="Helvetica Neue"/>
       </a:defRPr>
     </a:lvl8pPr>
     <a:lvl9pPr indent="1828800" latinLnBrk="0">
       <a:defRPr>
-        <a:latin typeface="+mj-lt"/>
-        <a:ea typeface="+mj-ea"/>
-        <a:cs typeface="+mj-cs"/>
+        <a:latin typeface="+mn-lt"/>
+        <a:ea typeface="+mn-ea"/>
+        <a:cs typeface="+mn-cs"/>
         <a:sym typeface="Helvetica Neue"/>
       </a:defRPr>
     </a:lvl9pPr>
@@ -515,7 +507,7 @@
         <p:spPr>
           <a:xfrm>
             <a:off x="685800" y="2111123"/>
-            <a:ext cx="7772400" cy="1546475"/>
+            <a:ext cx="7772400" cy="1546476"/>
           </a:xfrm>
           <a:prstGeom prst="rect">
             <a:avLst/>
@@ -547,7 +539,7 @@
         <p:spPr>
           <a:xfrm>
             <a:off x="685800" y="3786737"/>
-            <a:ext cx="7772400" cy="1046318"/>
+            <a:ext cx="7772400" cy="1046319"/>
           </a:xfrm>
           <a:prstGeom prst="rect">
             <a:avLst/>
@@ -753,7 +745,7 @@
                 <a:sym typeface="Calibri"/>
               </a:defRPr>
             </a:lvl1pPr>
-            <a:lvl2pPr marL="772583" indent="-207433">
+            <a:lvl2pPr marL="772582" indent="-207432">
               <a:buChar char="●"/>
               <a:defRPr sz="2800">
                 <a:latin typeface="Calibri"/>
@@ -771,7 +763,7 @@
                 <a:sym typeface="Calibri"/>
               </a:defRPr>
             </a:lvl3pPr>
-            <a:lvl4pPr marL="1684866" indent="-237066">
+            <a:lvl4pPr marL="1684865" indent="-237065">
               <a:defRPr sz="2800">
                 <a:latin typeface="Calibri"/>
                 <a:ea typeface="Calibri"/>
@@ -779,7 +771,7 @@
                 <a:sym typeface="Calibri"/>
               </a:defRPr>
             </a:lvl4pPr>
-            <a:lvl5pPr marL="2142066" indent="-237066">
+            <a:lvl5pPr marL="2142065" indent="-237065">
               <a:buChar char="●"/>
               <a:defRPr sz="2800">
                 <a:latin typeface="Calibri"/>
@@ -831,8 +823,8 @@
         </p:nvSpPr>
         <p:spPr>
           <a:xfrm>
-            <a:off x="4648200" y="1600200"/>
-            <a:ext cx="4038599" cy="4525963"/>
+            <a:off x="4648199" y="1600200"/>
+            <a:ext cx="4038600" cy="4525963"/>
           </a:xfrm>
           <a:prstGeom prst="rect">
             <a:avLst/>
@@ -842,14 +834,7 @@
           <a:bodyPr/>
           <a:lstStyle/>
           <a:p>
-            <a:pPr marL="342900" indent="-222250">
-              <a:defRPr sz="2800">
-                <a:latin typeface="Calibri"/>
-                <a:ea typeface="Calibri"/>
-                <a:cs typeface="Calibri"/>
-                <a:sym typeface="Calibri"/>
-              </a:defRPr>
-            </a:pPr>
+            <a:pPr/>
           </a:p>
         </p:txBody>
       </p:sp>
@@ -863,15 +848,15 @@
         </p:nvSpPr>
         <p:spPr>
           <a:xfrm>
-            <a:off x="8293481" y="6348795"/>
-            <a:ext cx="393319" cy="380235"/>
+            <a:off x="8293484" y="6348796"/>
+            <a:ext cx="393317" cy="380233"/>
           </a:xfrm>
           <a:prstGeom prst="rect">
             <a:avLst/>
           </a:prstGeom>
         </p:spPr>
         <p:txBody>
-          <a:bodyPr lIns="91424" tIns="91424" rIns="91424" bIns="91424"/>
+          <a:bodyPr lIns="91423" tIns="91423" rIns="91423" bIns="91423"/>
           <a:lstStyle>
             <a:lvl1pPr>
               <a:defRPr sz="1400"/>
@@ -974,7 +959,7 @@
                 <a:sym typeface="Calibri"/>
               </a:defRPr>
             </a:lvl1pPr>
-            <a:lvl2pPr indent="457200">
+            <a:lvl2pPr>
               <a:buClrTx/>
               <a:buSzTx/>
               <a:buFontTx/>
@@ -986,7 +971,7 @@
                 <a:sym typeface="Calibri"/>
               </a:defRPr>
             </a:lvl2pPr>
-            <a:lvl3pPr indent="914400">
+            <a:lvl3pPr>
               <a:buClrTx/>
               <a:buSzTx/>
               <a:buFontTx/>
@@ -998,7 +983,7 @@
                 <a:sym typeface="Calibri"/>
               </a:defRPr>
             </a:lvl3pPr>
-            <a:lvl4pPr indent="1371600">
+            <a:lvl4pPr>
               <a:buClrTx/>
               <a:buSzTx/>
               <a:buFontTx/>
@@ -1010,7 +995,7 @@
                 <a:sym typeface="Calibri"/>
               </a:defRPr>
             </a:lvl4pPr>
-            <a:lvl5pPr indent="1828800">
+            <a:lvl5pPr>
               <a:buClrTx/>
               <a:buSzTx/>
               <a:buFontTx/>
@@ -1065,8 +1050,8 @@
         </p:nvSpPr>
         <p:spPr>
           <a:xfrm>
-            <a:off x="457199" y="2174875"/>
-            <a:ext cx="4040189" cy="3951288"/>
+            <a:off x="457198" y="2174875"/>
+            <a:ext cx="4040191" cy="3951288"/>
           </a:xfrm>
           <a:prstGeom prst="rect">
             <a:avLst/>
@@ -1076,14 +1061,7 @@
           <a:bodyPr/>
           <a:lstStyle/>
           <a:p>
-            <a:pPr marL="342900" indent="-222250">
-              <a:defRPr sz="2400">
-                <a:latin typeface="Calibri"/>
-                <a:ea typeface="Calibri"/>
-                <a:cs typeface="Calibri"/>
-                <a:sym typeface="Calibri"/>
-              </a:defRPr>
-            </a:pPr>
+            <a:pPr/>
           </a:p>
         </p:txBody>
       </p:sp>
@@ -1097,8 +1075,8 @@
         </p:nvSpPr>
         <p:spPr>
           <a:xfrm>
-            <a:off x="4645025" y="1535112"/>
-            <a:ext cx="4041774" cy="639763"/>
+            <a:off x="4645024" y="1535111"/>
+            <a:ext cx="4041775" cy="639765"/>
           </a:xfrm>
           <a:prstGeom prst="rect">
             <a:avLst/>
@@ -1108,18 +1086,7 @@
           <a:bodyPr anchor="b"/>
           <a:lstStyle/>
           <a:p>
-            <a:pPr>
-              <a:buClrTx/>
-              <a:buSzTx/>
-              <a:buFontTx/>
-              <a:buNone/>
-              <a:defRPr b="1" sz="2400">
-                <a:latin typeface="Calibri"/>
-                <a:ea typeface="Calibri"/>
-                <a:cs typeface="Calibri"/>
-                <a:sym typeface="Calibri"/>
-              </a:defRPr>
-            </a:pPr>
+            <a:pPr/>
           </a:p>
         </p:txBody>
       </p:sp>
@@ -1133,8 +1100,8 @@
         </p:nvSpPr>
         <p:spPr>
           <a:xfrm>
-            <a:off x="4645025" y="2174875"/>
-            <a:ext cx="4041774" cy="3951288"/>
+            <a:off x="4645024" y="2174875"/>
+            <a:ext cx="4041775" cy="3951288"/>
           </a:xfrm>
           <a:prstGeom prst="rect">
             <a:avLst/>
@@ -1144,14 +1111,7 @@
           <a:bodyPr/>
           <a:lstStyle/>
           <a:p>
-            <a:pPr marL="342900" indent="-222250">
-              <a:defRPr sz="2400">
-                <a:latin typeface="Calibri"/>
-                <a:ea typeface="Calibri"/>
-                <a:cs typeface="Calibri"/>
-                <a:sym typeface="Calibri"/>
-              </a:defRPr>
-            </a:pPr>
+            <a:pPr/>
           </a:p>
         </p:txBody>
       </p:sp>
@@ -1165,15 +1125,15 @@
         </p:nvSpPr>
         <p:spPr>
           <a:xfrm>
-            <a:off x="8293481" y="6348795"/>
-            <a:ext cx="393319" cy="380235"/>
+            <a:off x="8293484" y="6348796"/>
+            <a:ext cx="393317" cy="380233"/>
           </a:xfrm>
           <a:prstGeom prst="rect">
             <a:avLst/>
           </a:prstGeom>
         </p:spPr>
         <p:txBody>
-          <a:bodyPr lIns="91424" tIns="91424" rIns="91424" bIns="91424"/>
+          <a:bodyPr lIns="91423" tIns="91423" rIns="91423" bIns="91423"/>
           <a:lstStyle>
             <a:lvl1pPr>
               <a:defRPr sz="1400"/>
@@ -1254,15 +1214,15 @@
         </p:nvSpPr>
         <p:spPr>
           <a:xfrm>
-            <a:off x="8293481" y="6348795"/>
-            <a:ext cx="393319" cy="380235"/>
+            <a:off x="8293484" y="6348796"/>
+            <a:ext cx="393317" cy="380233"/>
           </a:xfrm>
           <a:prstGeom prst="rect">
             <a:avLst/>
           </a:prstGeom>
         </p:spPr>
         <p:txBody>
-          <a:bodyPr lIns="91424" tIns="91424" rIns="91424" bIns="91424"/>
+          <a:bodyPr lIns="91423" tIns="91423" rIns="91423" bIns="91423"/>
           <a:lstStyle>
             <a:lvl1pPr>
               <a:defRPr sz="1400"/>
@@ -1310,15 +1270,15 @@
         </p:nvSpPr>
         <p:spPr>
           <a:xfrm>
-            <a:off x="8293481" y="6348795"/>
-            <a:ext cx="393319" cy="380235"/>
+            <a:off x="8293484" y="6348796"/>
+            <a:ext cx="393317" cy="380233"/>
           </a:xfrm>
           <a:prstGeom prst="rect">
             <a:avLst/>
           </a:prstGeom>
         </p:spPr>
         <p:txBody>
-          <a:bodyPr lIns="91424" tIns="91424" rIns="91424" bIns="91424"/>
+          <a:bodyPr lIns="91423" tIns="91423" rIns="91423" bIns="91423"/>
           <a:lstStyle>
             <a:lvl1pPr>
               <a:defRPr sz="1400"/>
@@ -1367,7 +1327,7 @@
         <p:spPr>
           <a:xfrm>
             <a:off x="457200" y="273050"/>
-            <a:ext cx="3008314" cy="1162050"/>
+            <a:ext cx="3008315" cy="1162050"/>
           </a:xfrm>
           <a:prstGeom prst="rect">
             <a:avLst/>
@@ -1430,7 +1390,7 @@
                 <a:sym typeface="Calibri"/>
               </a:defRPr>
             </a:lvl2pPr>
-            <a:lvl3pPr marL="1188508" indent="-182033">
+            <a:lvl3pPr marL="1188507" indent="-182032">
               <a:buChar char="●"/>
               <a:defRPr sz="3200">
                 <a:latin typeface="Calibri"/>
@@ -1439,7 +1399,7 @@
                 <a:sym typeface="Calibri"/>
               </a:defRPr>
             </a:lvl3pPr>
-            <a:lvl4pPr marL="1691639" indent="-243839">
+            <a:lvl4pPr marL="1691638" indent="-243838">
               <a:defRPr sz="3200">
                 <a:latin typeface="Calibri"/>
                 <a:ea typeface="Calibri"/>
@@ -1447,7 +1407,7 @@
                 <a:sym typeface="Calibri"/>
               </a:defRPr>
             </a:lvl4pPr>
-            <a:lvl5pPr marL="2148839" indent="-243839">
+            <a:lvl5pPr marL="2148838" indent="-243838">
               <a:buChar char="●"/>
               <a:defRPr sz="3200">
                 <a:latin typeface="Calibri"/>
@@ -1499,8 +1459,8 @@
         </p:nvSpPr>
         <p:spPr>
           <a:xfrm>
-            <a:off x="457199" y="1435100"/>
-            <a:ext cx="3008315" cy="4691063"/>
+            <a:off x="457198" y="1435100"/>
+            <a:ext cx="3008316" cy="4691063"/>
           </a:xfrm>
           <a:prstGeom prst="rect">
             <a:avLst/>
@@ -1510,18 +1470,7 @@
           <a:bodyPr/>
           <a:lstStyle/>
           <a:p>
-            <a:pPr>
-              <a:buClrTx/>
-              <a:buSzTx/>
-              <a:buFontTx/>
-              <a:buNone/>
-              <a:defRPr sz="1400">
-                <a:latin typeface="Calibri"/>
-                <a:ea typeface="Calibri"/>
-                <a:cs typeface="Calibri"/>
-                <a:sym typeface="Calibri"/>
-              </a:defRPr>
-            </a:pPr>
+            <a:pPr/>
           </a:p>
         </p:txBody>
       </p:sp>
@@ -1535,15 +1484,15 @@
         </p:nvSpPr>
         <p:spPr>
           <a:xfrm>
-            <a:off x="8293481" y="6348795"/>
-            <a:ext cx="393319" cy="380235"/>
+            <a:off x="8293484" y="6348796"/>
+            <a:ext cx="393317" cy="380233"/>
           </a:xfrm>
           <a:prstGeom prst="rect">
             <a:avLst/>
           </a:prstGeom>
         </p:spPr>
         <p:txBody>
-          <a:bodyPr lIns="91424" tIns="91424" rIns="91424" bIns="91424"/>
+          <a:bodyPr lIns="91423" tIns="91423" rIns="91423" bIns="91423"/>
           <a:lstStyle>
             <a:lvl1pPr>
               <a:defRPr sz="1400"/>
@@ -1656,7 +1605,7 @@
         <p:spPr>
           <a:xfrm>
             <a:off x="1792288" y="5367337"/>
-            <a:ext cx="5486399" cy="804862"/>
+            <a:ext cx="5486399" cy="804863"/>
           </a:xfrm>
           <a:prstGeom prst="rect">
             <a:avLst/>
@@ -1677,7 +1626,7 @@
                 <a:sym typeface="Calibri"/>
               </a:defRPr>
             </a:lvl1pPr>
-            <a:lvl2pPr indent="457200">
+            <a:lvl2pPr>
               <a:buClrTx/>
               <a:buSzTx/>
               <a:buFontTx/>
@@ -1689,7 +1638,7 @@
                 <a:sym typeface="Calibri"/>
               </a:defRPr>
             </a:lvl2pPr>
-            <a:lvl3pPr indent="914400">
+            <a:lvl3pPr>
               <a:buClrTx/>
               <a:buSzTx/>
               <a:buFontTx/>
@@ -1701,7 +1650,7 @@
                 <a:sym typeface="Calibri"/>
               </a:defRPr>
             </a:lvl3pPr>
-            <a:lvl4pPr indent="1371600">
+            <a:lvl4pPr>
               <a:buClrTx/>
               <a:buSzTx/>
               <a:buFontTx/>
@@ -1713,7 +1662,7 @@
                 <a:sym typeface="Calibri"/>
               </a:defRPr>
             </a:lvl4pPr>
-            <a:lvl5pPr indent="1828800">
+            <a:lvl5pPr>
               <a:buClrTx/>
               <a:buSzTx/>
               <a:buFontTx/>
@@ -1768,15 +1717,15 @@
         </p:nvSpPr>
         <p:spPr>
           <a:xfrm>
-            <a:off x="8293481" y="6348795"/>
-            <a:ext cx="393319" cy="380235"/>
+            <a:off x="8293484" y="6348796"/>
+            <a:ext cx="393317" cy="380233"/>
           </a:xfrm>
           <a:prstGeom prst="rect">
             <a:avLst/>
           </a:prstGeom>
         </p:spPr>
         <p:txBody>
-          <a:bodyPr lIns="91424" tIns="91424" rIns="91424" bIns="91424"/>
+          <a:bodyPr lIns="91423" tIns="91423" rIns="91423" bIns="91423"/>
           <a:lstStyle>
             <a:lvl1pPr>
               <a:defRPr sz="1400"/>
@@ -1858,7 +1807,7 @@
         <p:spPr>
           <a:xfrm rot="5400000">
             <a:off x="2309017" y="-251618"/>
-            <a:ext cx="4525964" cy="8229601"/>
+            <a:ext cx="4525965" cy="8229601"/>
           </a:xfrm>
           <a:prstGeom prst="rect">
             <a:avLst/>
@@ -1890,7 +1839,7 @@
                 <a:sym typeface="Calibri"/>
               </a:defRPr>
             </a:lvl2pPr>
-            <a:lvl3pPr marL="1188508" indent="-182033">
+            <a:lvl3pPr marL="1188507" indent="-182032">
               <a:spcBef>
                 <a:spcPts val="600"/>
               </a:spcBef>
@@ -1902,7 +1851,7 @@
                 <a:sym typeface="Calibri"/>
               </a:defRPr>
             </a:lvl3pPr>
-            <a:lvl4pPr marL="1691639" indent="-243839">
+            <a:lvl4pPr marL="1691638" indent="-243838">
               <a:spcBef>
                 <a:spcPts val="600"/>
               </a:spcBef>
@@ -1913,7 +1862,7 @@
                 <a:sym typeface="Calibri"/>
               </a:defRPr>
             </a:lvl4pPr>
-            <a:lvl5pPr marL="2148839" indent="-243839">
+            <a:lvl5pPr marL="2148838" indent="-243838">
               <a:spcBef>
                 <a:spcPts val="600"/>
               </a:spcBef>
@@ -1968,15 +1917,15 @@
         </p:nvSpPr>
         <p:spPr>
           <a:xfrm>
-            <a:off x="8293481" y="6348795"/>
-            <a:ext cx="393319" cy="380235"/>
+            <a:off x="8293484" y="6348796"/>
+            <a:ext cx="393317" cy="380233"/>
           </a:xfrm>
           <a:prstGeom prst="rect">
             <a:avLst/>
           </a:prstGeom>
         </p:spPr>
         <p:txBody>
-          <a:bodyPr lIns="91424" tIns="91424" rIns="91424" bIns="91424"/>
+          <a:bodyPr lIns="91423" tIns="91423" rIns="91423" bIns="91423"/>
           <a:lstStyle>
             <a:lvl1pPr>
               <a:defRPr sz="1400"/>
@@ -2025,7 +1974,7 @@
         <p:spPr>
           <a:xfrm rot="5400000">
             <a:off x="4732337" y="2171700"/>
-            <a:ext cx="5851526" cy="2057400"/>
+            <a:ext cx="5851527" cy="2057400"/>
           </a:xfrm>
           <a:prstGeom prst="rect">
             <a:avLst/>
@@ -2062,7 +2011,7 @@
         <p:spPr>
           <a:xfrm rot="5400000">
             <a:off x="541337" y="190500"/>
-            <a:ext cx="5851526" cy="6019799"/>
+            <a:ext cx="5851527" cy="6019799"/>
           </a:xfrm>
           <a:prstGeom prst="rect">
             <a:avLst/>
@@ -2094,7 +2043,7 @@
                 <a:sym typeface="Calibri"/>
               </a:defRPr>
             </a:lvl2pPr>
-            <a:lvl3pPr marL="1188508" indent="-182033">
+            <a:lvl3pPr marL="1188507" indent="-182032">
               <a:spcBef>
                 <a:spcPts val="600"/>
               </a:spcBef>
@@ -2106,7 +2055,7 @@
                 <a:sym typeface="Calibri"/>
               </a:defRPr>
             </a:lvl3pPr>
-            <a:lvl4pPr marL="1691639" indent="-243839">
+            <a:lvl4pPr marL="1691638" indent="-243838">
               <a:spcBef>
                 <a:spcPts val="600"/>
               </a:spcBef>
@@ -2117,7 +2066,7 @@
                 <a:sym typeface="Calibri"/>
               </a:defRPr>
             </a:lvl4pPr>
-            <a:lvl5pPr marL="2148839" indent="-243839">
+            <a:lvl5pPr marL="2148838" indent="-243838">
               <a:spcBef>
                 <a:spcPts val="600"/>
               </a:spcBef>
@@ -2172,15 +2121,15 @@
         </p:nvSpPr>
         <p:spPr>
           <a:xfrm>
-            <a:off x="8293481" y="6348795"/>
-            <a:ext cx="393319" cy="380235"/>
+            <a:off x="8293484" y="6348796"/>
+            <a:ext cx="393317" cy="380233"/>
           </a:xfrm>
           <a:prstGeom prst="rect">
             <a:avLst/>
           </a:prstGeom>
         </p:spPr>
         <p:txBody>
-          <a:bodyPr lIns="91424" tIns="91424" rIns="91424" bIns="91424"/>
+          <a:bodyPr lIns="91423" tIns="91423" rIns="91423" bIns="91423"/>
           <a:lstStyle>
             <a:lvl1pPr>
               <a:defRPr sz="1400"/>
@@ -2425,7 +2374,7 @@
         <p:spPr>
           <a:xfrm>
             <a:off x="4692272" y="1600200"/>
-            <a:ext cx="3994527" cy="4967574"/>
+            <a:ext cx="3994528" cy="4967574"/>
           </a:xfrm>
           <a:prstGeom prst="rect">
             <a:avLst/>
@@ -2570,7 +2519,7 @@
         <p:spPr>
           <a:xfrm>
             <a:off x="457200" y="5875077"/>
-            <a:ext cx="8229600" cy="692694"/>
+            <a:ext cx="8229600" cy="692695"/>
           </a:xfrm>
           <a:prstGeom prst="rect">
             <a:avLst/>
@@ -2813,7 +2762,7 @@
                 <a:sym typeface="Calibri"/>
               </a:defRPr>
             </a:lvl1pPr>
-            <a:lvl2pPr indent="457200" algn="ctr">
+            <a:lvl2pPr algn="ctr">
               <a:spcBef>
                 <a:spcPts val="600"/>
               </a:spcBef>
@@ -2831,7 +2780,7 @@
                 <a:sym typeface="Calibri"/>
               </a:defRPr>
             </a:lvl2pPr>
-            <a:lvl3pPr indent="914400" algn="ctr">
+            <a:lvl3pPr algn="ctr">
               <a:spcBef>
                 <a:spcPts val="600"/>
               </a:spcBef>
@@ -2849,7 +2798,7 @@
                 <a:sym typeface="Calibri"/>
               </a:defRPr>
             </a:lvl3pPr>
-            <a:lvl4pPr indent="1371600" algn="ctr">
+            <a:lvl4pPr algn="ctr">
               <a:spcBef>
                 <a:spcPts val="600"/>
               </a:spcBef>
@@ -2867,7 +2816,7 @@
                 <a:sym typeface="Calibri"/>
               </a:defRPr>
             </a:lvl4pPr>
-            <a:lvl5pPr indent="1828800" algn="ctr">
+            <a:lvl5pPr algn="ctr">
               <a:spcBef>
                 <a:spcPts val="600"/>
               </a:spcBef>
@@ -2928,15 +2877,15 @@
         </p:nvSpPr>
         <p:spPr>
           <a:xfrm>
-            <a:off x="8293481" y="6348795"/>
-            <a:ext cx="393319" cy="380235"/>
+            <a:off x="8293484" y="6348796"/>
+            <a:ext cx="393317" cy="380233"/>
           </a:xfrm>
           <a:prstGeom prst="rect">
             <a:avLst/>
           </a:prstGeom>
         </p:spPr>
         <p:txBody>
-          <a:bodyPr lIns="91424" tIns="91424" rIns="91424" bIns="91424"/>
+          <a:bodyPr lIns="91423" tIns="91423" rIns="91423" bIns="91423"/>
           <a:lstStyle>
             <a:lvl1pPr>
               <a:defRPr sz="1400"/>
@@ -3050,7 +2999,7 @@
                 <a:sym typeface="Calibri"/>
               </a:defRPr>
             </a:lvl2pPr>
-            <a:lvl3pPr marL="1188508" indent="-182033">
+            <a:lvl3pPr marL="1188507" indent="-182032">
               <a:spcBef>
                 <a:spcPts val="600"/>
               </a:spcBef>
@@ -3062,7 +3011,7 @@
                 <a:sym typeface="Calibri"/>
               </a:defRPr>
             </a:lvl3pPr>
-            <a:lvl4pPr marL="1691639" indent="-243839">
+            <a:lvl4pPr marL="1691638" indent="-243838">
               <a:spcBef>
                 <a:spcPts val="600"/>
               </a:spcBef>
@@ -3073,7 +3022,7 @@
                 <a:sym typeface="Calibri"/>
               </a:defRPr>
             </a:lvl4pPr>
-            <a:lvl5pPr marL="2148839" indent="-243839">
+            <a:lvl5pPr marL="2148838" indent="-243838">
               <a:spcBef>
                 <a:spcPts val="600"/>
               </a:spcBef>
@@ -3128,15 +3077,15 @@
         </p:nvSpPr>
         <p:spPr>
           <a:xfrm>
-            <a:off x="8293481" y="6348795"/>
-            <a:ext cx="393319" cy="380235"/>
+            <a:off x="8293484" y="6348796"/>
+            <a:ext cx="393317" cy="380233"/>
           </a:xfrm>
           <a:prstGeom prst="rect">
             <a:avLst/>
           </a:prstGeom>
         </p:spPr>
         <p:txBody>
-          <a:bodyPr lIns="91424" tIns="91424" rIns="91424" bIns="91424"/>
+          <a:bodyPr lIns="91423" tIns="91423" rIns="91423" bIns="91423"/>
           <a:lstStyle>
             <a:lvl1pPr>
               <a:defRPr sz="1400"/>
@@ -3222,7 +3171,7 @@
         <p:spPr>
           <a:xfrm>
             <a:off x="722312" y="2906713"/>
-            <a:ext cx="7772401" cy="1500188"/>
+            <a:ext cx="7772401" cy="1500189"/>
           </a:xfrm>
           <a:prstGeom prst="rect">
             <a:avLst/>
@@ -3246,7 +3195,7 @@
                 <a:sym typeface="Calibri"/>
               </a:defRPr>
             </a:lvl1pPr>
-            <a:lvl2pPr indent="457200">
+            <a:lvl2pPr>
               <a:buClrTx/>
               <a:buSzTx/>
               <a:buFontTx/>
@@ -3261,7 +3210,7 @@
                 <a:sym typeface="Calibri"/>
               </a:defRPr>
             </a:lvl2pPr>
-            <a:lvl3pPr indent="914400">
+            <a:lvl3pPr>
               <a:buClrTx/>
               <a:buSzTx/>
               <a:buFontTx/>
@@ -3276,7 +3225,7 @@
                 <a:sym typeface="Calibri"/>
               </a:defRPr>
             </a:lvl3pPr>
-            <a:lvl4pPr indent="1371600">
+            <a:lvl4pPr>
               <a:buClrTx/>
               <a:buSzTx/>
               <a:buFontTx/>
@@ -3291,7 +3240,7 @@
                 <a:sym typeface="Calibri"/>
               </a:defRPr>
             </a:lvl4pPr>
-            <a:lvl5pPr indent="1828800">
+            <a:lvl5pPr>
               <a:buClrTx/>
               <a:buSzTx/>
               <a:buFontTx/>
@@ -3349,15 +3298,15 @@
         </p:nvSpPr>
         <p:spPr>
           <a:xfrm>
-            <a:off x="8293481" y="6348795"/>
-            <a:ext cx="393319" cy="380235"/>
+            <a:off x="8293484" y="6348796"/>
+            <a:ext cx="393317" cy="380233"/>
           </a:xfrm>
           <a:prstGeom prst="rect">
             <a:avLst/>
           </a:prstGeom>
         </p:spPr>
         <p:txBody>
-          <a:bodyPr lIns="91424" tIns="91424" rIns="91424" bIns="91424"/>
+          <a:bodyPr lIns="91423" tIns="91423" rIns="91423" bIns="91423"/>
           <a:lstStyle>
             <a:lvl1pPr>
               <a:defRPr sz="1400"/>
@@ -3412,8 +3361,8 @@
         </p:nvSpPr>
         <p:spPr>
           <a:xfrm>
-            <a:off x="457200" y="274636"/>
-            <a:ext cx="8229600" cy="1143001"/>
+            <a:off x="457200" y="274635"/>
+            <a:ext cx="8229600" cy="1143002"/>
           </a:xfrm>
           <a:prstGeom prst="rect">
             <a:avLst/>
@@ -3428,7 +3377,7 @@
           </a:extLst>
         </p:spPr>
         <p:txBody>
-          <a:bodyPr lIns="91424" tIns="91424" rIns="91424" bIns="91424" anchor="b">
+          <a:bodyPr lIns="91423" tIns="91423" rIns="91423" bIns="91423" anchor="b">
             <a:normAutofit fontScale="100000" lnSpcReduction="0"/>
           </a:bodyPr>
           <a:lstStyle/>
@@ -3466,7 +3415,7 @@
           </a:extLst>
         </p:spPr>
         <p:txBody>
-          <a:bodyPr lIns="91424" tIns="91424" rIns="91424" bIns="91424">
+          <a:bodyPr lIns="91423" tIns="91423" rIns="91423" bIns="91423">
             <a:normAutofit fontScale="100000" lnSpcReduction="0"/>
           </a:bodyPr>
           <a:lstStyle/>
@@ -3512,8 +3461,8 @@
         </p:nvSpPr>
         <p:spPr>
           <a:xfrm>
-            <a:off x="4419600" y="6172200"/>
-            <a:ext cx="2133600" cy="368301"/>
+            <a:off x="6279546" y="6224224"/>
+            <a:ext cx="273654" cy="264253"/>
           </a:xfrm>
           <a:prstGeom prst="rect">
             <a:avLst/>
@@ -3523,12 +3472,17 @@
           </a:ln>
         </p:spPr>
         <p:txBody>
-          <a:bodyPr wrap="none" lIns="45719" rIns="45719" anchor="ctr">
+          <a:bodyPr wrap="none" lIns="45718" tIns="45718" rIns="45718" bIns="45718" anchor="ctr">
             <a:spAutoFit/>
           </a:bodyPr>
           <a:lstStyle>
             <a:lvl1pPr algn="r">
-              <a:defRPr sz="1200"/>
+              <a:defRPr sz="1200">
+                <a:latin typeface="Arial"/>
+                <a:ea typeface="Arial"/>
+                <a:cs typeface="Arial"/>
+                <a:sym typeface="Arial"/>
+              </a:defRPr>
             </a:lvl1pPr>
           </a:lstStyle>
           <a:p>
@@ -3825,7 +3779,7 @@
       </a:lvl9pPr>
     </p:titleStyle>
     <p:bodyStyle>
-      <a:lvl1pPr marL="0" marR="0" indent="0" algn="l" defTabSz="914400" latinLnBrk="0">
+      <a:lvl1pPr marL="0" marR="0" indent="0" algn="l" defTabSz="914400" rtl="0" latinLnBrk="0">
         <a:lnSpc>
           <a:spcPct val="100000"/>
         </a:lnSpc>
@@ -3856,7 +3810,7 @@
           <a:sym typeface="Arial"/>
         </a:defRPr>
       </a:lvl1pPr>
-      <a:lvl2pPr marL="0" marR="0" indent="0" algn="l" defTabSz="914400" latinLnBrk="0">
+      <a:lvl2pPr marL="0" marR="0" indent="0" algn="l" defTabSz="914400" rtl="0" latinLnBrk="0">
         <a:lnSpc>
           <a:spcPct val="100000"/>
         </a:lnSpc>
@@ -3887,7 +3841,7 @@
           <a:sym typeface="Arial"/>
         </a:defRPr>
       </a:lvl2pPr>
-      <a:lvl3pPr marL="0" marR="0" indent="0" algn="l" defTabSz="914400" latinLnBrk="0">
+      <a:lvl3pPr marL="0" marR="0" indent="0" algn="l" defTabSz="914400" rtl="0" latinLnBrk="0">
         <a:lnSpc>
           <a:spcPct val="100000"/>
         </a:lnSpc>
@@ -3918,7 +3872,7 @@
           <a:sym typeface="Arial"/>
         </a:defRPr>
       </a:lvl3pPr>
-      <a:lvl4pPr marL="0" marR="0" indent="0" algn="l" defTabSz="914400" latinLnBrk="0">
+      <a:lvl4pPr marL="0" marR="0" indent="0" algn="l" defTabSz="914400" rtl="0" latinLnBrk="0">
         <a:lnSpc>
           <a:spcPct val="100000"/>
         </a:lnSpc>
@@ -3949,7 +3903,7 @@
           <a:sym typeface="Arial"/>
         </a:defRPr>
       </a:lvl4pPr>
-      <a:lvl5pPr marL="0" marR="0" indent="0" algn="l" defTabSz="914400" latinLnBrk="0">
+      <a:lvl5pPr marL="0" marR="0" indent="0" algn="l" defTabSz="914400" rtl="0" latinLnBrk="0">
         <a:lnSpc>
           <a:spcPct val="100000"/>
         </a:lnSpc>
@@ -3980,7 +3934,7 @@
           <a:sym typeface="Arial"/>
         </a:defRPr>
       </a:lvl5pPr>
-      <a:lvl6pPr marL="0" marR="0" indent="0" algn="l" defTabSz="914400" latinLnBrk="0">
+      <a:lvl6pPr marL="0" marR="0" indent="0" algn="l" defTabSz="914400" rtl="0" latinLnBrk="0">
         <a:lnSpc>
           <a:spcPct val="100000"/>
         </a:lnSpc>
@@ -4011,7 +3965,7 @@
           <a:sym typeface="Arial"/>
         </a:defRPr>
       </a:lvl6pPr>
-      <a:lvl7pPr marL="0" marR="0" indent="0" algn="l" defTabSz="914400" latinLnBrk="0">
+      <a:lvl7pPr marL="0" marR="0" indent="0" algn="l" defTabSz="914400" rtl="0" latinLnBrk="0">
         <a:lnSpc>
           <a:spcPct val="100000"/>
         </a:lnSpc>
@@ -4042,7 +3996,7 @@
           <a:sym typeface="Arial"/>
         </a:defRPr>
       </a:lvl7pPr>
-      <a:lvl8pPr marL="0" marR="0" indent="0" algn="l" defTabSz="914400" latinLnBrk="0">
+      <a:lvl8pPr marL="0" marR="0" indent="0" algn="l" defTabSz="914400" rtl="0" latinLnBrk="0">
         <a:lnSpc>
           <a:spcPct val="100000"/>
         </a:lnSpc>
@@ -4073,7 +4027,7 @@
           <a:sym typeface="Arial"/>
         </a:defRPr>
       </a:lvl8pPr>
-      <a:lvl9pPr marL="0" marR="0" indent="0" algn="l" defTabSz="914400" latinLnBrk="0">
+      <a:lvl9pPr marL="0" marR="0" indent="0" algn="l" defTabSz="914400" rtl="0" latinLnBrk="0">
         <a:lnSpc>
           <a:spcPct val="100000"/>
         </a:lnSpc>
@@ -4423,8 +4377,8 @@
         </p:nvSpPr>
         <p:spPr>
           <a:xfrm>
-            <a:off x="1371599" y="3886200"/>
-            <a:ext cx="6400801" cy="1752600"/>
+            <a:off x="1371598" y="3886200"/>
+            <a:ext cx="6400803" cy="1752600"/>
           </a:xfrm>
           <a:prstGeom prst="rect">
             <a:avLst/>
@@ -4461,7 +4415,7 @@
         <p:spPr>
           <a:xfrm>
             <a:off x="-12710" y="0"/>
-            <a:ext cx="9193223" cy="6858000"/>
+            <a:ext cx="9193224" cy="6858000"/>
           </a:xfrm>
           <a:prstGeom prst="rect">
             <a:avLst/>
@@ -4480,7 +4434,7 @@
         <p:spPr>
           <a:xfrm>
             <a:off x="1218850" y="2345150"/>
-            <a:ext cx="5893800" cy="2024351"/>
+            <a:ext cx="5893800" cy="2024349"/>
           </a:xfrm>
           <a:prstGeom prst="rect">
             <a:avLst/>
@@ -4495,7 +4449,7 @@
           </a:extLst>
         </p:spPr>
         <p:txBody>
-          <a:bodyPr lIns="91424" tIns="91424" rIns="91424" bIns="91424">
+          <a:bodyPr lIns="91423" tIns="91423" rIns="91423" bIns="91423">
             <a:spAutoFit/>
           </a:bodyPr>
           <a:lstStyle/>
@@ -4516,16 +4470,17 @@
             </a:r>
           </a:p>
           <a:p>
-            <a:pPr/>
-            <a:endParaRPr sz="4800">
-              <a:solidFill>
-                <a:srgbClr val="FFFFFF"/>
-              </a:solidFill>
-              <a:latin typeface="Bree Serif"/>
-              <a:ea typeface="Bree Serif"/>
-              <a:cs typeface="Bree Serif"/>
-              <a:sym typeface="Bree Serif"/>
-            </a:endParaRPr>
+            <a:pPr>
+              <a:defRPr sz="4800">
+                <a:solidFill>
+                  <a:srgbClr val="FFFFFF"/>
+                </a:solidFill>
+                <a:latin typeface="Bree Serif"/>
+                <a:ea typeface="Bree Serif"/>
+                <a:cs typeface="Bree Serif"/>
+                <a:sym typeface="Bree Serif"/>
+              </a:defRPr>
+            </a:pPr>
           </a:p>
           <a:p>
             <a:pPr>
@@ -4573,7 +4528,7 @@
       </p:grpSpPr>
       <p:pic>
         <p:nvPicPr>
-          <p:cNvPr id="204" name="image3.png"/>
+          <p:cNvPr id="204" name="image2.png"/>
           <p:cNvPicPr>
             <a:picLocks noChangeAspect="1"/>
           </p:cNvPicPr>
@@ -4590,7 +4545,7 @@
         <p:spPr>
           <a:xfrm>
             <a:off x="-1902" y="-3963"/>
-            <a:ext cx="9144001" cy="6861963"/>
+            <a:ext cx="9144001" cy="6861964"/>
           </a:xfrm>
           <a:prstGeom prst="rect">
             <a:avLst/>
@@ -4608,8 +4563,8 @@
         </p:nvSpPr>
         <p:spPr>
           <a:xfrm>
-            <a:off x="89799" y="1168100"/>
-            <a:ext cx="7666202" cy="2075151"/>
+            <a:off x="89799" y="1168099"/>
+            <a:ext cx="7666202" cy="2075149"/>
           </a:xfrm>
           <a:prstGeom prst="rect">
             <a:avLst/>
@@ -4624,7 +4579,7 @@
           </a:extLst>
         </p:spPr>
         <p:txBody>
-          <a:bodyPr lIns="91424" tIns="91424" rIns="91424" bIns="91424">
+          <a:bodyPr lIns="91423" tIns="91423" rIns="91423" bIns="91423">
             <a:spAutoFit/>
           </a:bodyPr>
           <a:lstStyle/>
@@ -4642,13 +4597,14 @@
             </a:r>
           </a:p>
           <a:p>
-            <a:pPr/>
-            <a:endParaRPr sz="2400">
-              <a:latin typeface="Bree Serif"/>
-              <a:ea typeface="Bree Serif"/>
-              <a:cs typeface="Bree Serif"/>
-              <a:sym typeface="Bree Serif"/>
-            </a:endParaRPr>
+            <a:pPr>
+              <a:defRPr sz="2400">
+                <a:latin typeface="Bree Serif"/>
+                <a:ea typeface="Bree Serif"/>
+                <a:cs typeface="Bree Serif"/>
+                <a:sym typeface="Bree Serif"/>
+              </a:defRPr>
+            </a:pPr>
           </a:p>
           <a:p>
             <a:pPr lvl="1" marL="914400" indent="-355600">
@@ -4702,7 +4658,7 @@
       </p:sp>
       <p:pic>
         <p:nvPicPr>
-          <p:cNvPr id="206" name="01.tiff"/>
+          <p:cNvPr id="206" name="image6.tif"/>
           <p:cNvPicPr>
             <a:picLocks noChangeAspect="1"/>
           </p:cNvPicPr>
@@ -4719,7 +4675,7 @@
         <p:spPr>
           <a:xfrm>
             <a:off x="1095403" y="3340441"/>
-            <a:ext cx="6334095" cy="2720086"/>
+            <a:ext cx="6334096" cy="2720086"/>
           </a:xfrm>
           <a:prstGeom prst="rect">
             <a:avLst/>
@@ -4757,7 +4713,7 @@
       </p:grpSpPr>
       <p:pic>
         <p:nvPicPr>
-          <p:cNvPr id="208" name="image3.png"/>
+          <p:cNvPr id="208" name="image2.png"/>
           <p:cNvPicPr>
             <a:picLocks noChangeAspect="1"/>
           </p:cNvPicPr>
@@ -4774,7 +4730,7 @@
         <p:spPr>
           <a:xfrm>
             <a:off x="-1902" y="-3963"/>
-            <a:ext cx="9144001" cy="6861963"/>
+            <a:ext cx="9144001" cy="6861964"/>
           </a:xfrm>
           <a:prstGeom prst="rect">
             <a:avLst/>
@@ -4793,7 +4749,7 @@
         <p:spPr>
           <a:xfrm>
             <a:off x="89799" y="1168100"/>
-            <a:ext cx="7666202" cy="538451"/>
+            <a:ext cx="7666202" cy="538449"/>
           </a:xfrm>
           <a:prstGeom prst="rect">
             <a:avLst/>
@@ -4808,7 +4764,7 @@
           </a:extLst>
         </p:spPr>
         <p:txBody>
-          <a:bodyPr lIns="91424" tIns="91424" rIns="91424" bIns="91424">
+          <a:bodyPr lIns="91423" tIns="91423" rIns="91423" bIns="91423">
             <a:spAutoFit/>
           </a:bodyPr>
           <a:lstStyle>
@@ -4831,7 +4787,7 @@
       </p:sp>
       <p:pic>
         <p:nvPicPr>
-          <p:cNvPr id="210" name="01.tiff"/>
+          <p:cNvPr id="210" name="image7.tif"/>
           <p:cNvPicPr>
             <a:picLocks noChangeAspect="1"/>
           </p:cNvPicPr>
@@ -4848,7 +4804,7 @@
         <p:spPr>
           <a:xfrm>
             <a:off x="1228179" y="1949430"/>
-            <a:ext cx="6687642" cy="3915269"/>
+            <a:ext cx="6687643" cy="3915270"/>
           </a:xfrm>
           <a:prstGeom prst="rect">
             <a:avLst/>
@@ -4886,7 +4842,7 @@
       </p:grpSpPr>
       <p:pic>
         <p:nvPicPr>
-          <p:cNvPr id="212" name="image3.png"/>
+          <p:cNvPr id="212" name="image2.png"/>
           <p:cNvPicPr>
             <a:picLocks noChangeAspect="1"/>
           </p:cNvPicPr>
@@ -4903,7 +4859,7 @@
         <p:spPr>
           <a:xfrm>
             <a:off x="-1902" y="-3963"/>
-            <a:ext cx="9144001" cy="6861963"/>
+            <a:ext cx="9144001" cy="6861964"/>
           </a:xfrm>
           <a:prstGeom prst="rect">
             <a:avLst/>
@@ -4921,8 +4877,8 @@
         </p:nvSpPr>
         <p:spPr>
           <a:xfrm>
-            <a:off x="89799" y="1168100"/>
-            <a:ext cx="7666202" cy="1783051"/>
+            <a:off x="89799" y="1168099"/>
+            <a:ext cx="7666202" cy="1783049"/>
           </a:xfrm>
           <a:prstGeom prst="rect">
             <a:avLst/>
@@ -4937,7 +4893,7 @@
           </a:extLst>
         </p:spPr>
         <p:txBody>
-          <a:bodyPr lIns="91424" tIns="91424" rIns="91424" bIns="91424">
+          <a:bodyPr lIns="91423" tIns="91423" rIns="91423" bIns="91423">
             <a:spAutoFit/>
           </a:bodyPr>
           <a:lstStyle/>
@@ -4955,13 +4911,14 @@
             </a:r>
           </a:p>
           <a:p>
-            <a:pPr/>
-            <a:endParaRPr sz="2400">
-              <a:latin typeface="Bree Serif"/>
-              <a:ea typeface="Bree Serif"/>
-              <a:cs typeface="Bree Serif"/>
-              <a:sym typeface="Bree Serif"/>
-            </a:endParaRPr>
+            <a:pPr>
+              <a:defRPr sz="2400">
+                <a:latin typeface="Bree Serif"/>
+                <a:ea typeface="Bree Serif"/>
+                <a:cs typeface="Bree Serif"/>
+                <a:sym typeface="Bree Serif"/>
+              </a:defRPr>
+            </a:pPr>
           </a:p>
           <a:p>
             <a:pPr lvl="1" marL="914400" indent="-355600">
@@ -4999,7 +4956,7 @@
       </p:sp>
       <p:pic>
         <p:nvPicPr>
-          <p:cNvPr id="214" name="01.tiff"/>
+          <p:cNvPr id="214" name="image8.tif"/>
           <p:cNvPicPr>
             <a:picLocks noChangeAspect="1"/>
           </p:cNvPicPr>
@@ -5015,8 +4972,8 @@
         </p:blipFill>
         <p:spPr>
           <a:xfrm>
-            <a:off x="1997231" y="3065601"/>
-            <a:ext cx="5149538" cy="3210643"/>
+            <a:off x="1997230" y="3065601"/>
+            <a:ext cx="5149540" cy="3210644"/>
           </a:xfrm>
           <a:prstGeom prst="rect">
             <a:avLst/>
@@ -5054,7 +5011,7 @@
       </p:grpSpPr>
       <p:pic>
         <p:nvPicPr>
-          <p:cNvPr id="216" name="image3.png"/>
+          <p:cNvPr id="216" name="image2.png"/>
           <p:cNvPicPr>
             <a:picLocks noChangeAspect="1"/>
           </p:cNvPicPr>
@@ -5071,7 +5028,7 @@
         <p:spPr>
           <a:xfrm>
             <a:off x="-1902" y="-3963"/>
-            <a:ext cx="9144001" cy="6861963"/>
+            <a:ext cx="9144001" cy="6861964"/>
           </a:xfrm>
           <a:prstGeom prst="rect">
             <a:avLst/>
@@ -5089,8 +5046,8 @@
         </p:nvSpPr>
         <p:spPr>
           <a:xfrm>
-            <a:off x="89799" y="1168100"/>
-            <a:ext cx="7666202" cy="3243551"/>
+            <a:off x="89799" y="1168099"/>
+            <a:ext cx="7666202" cy="3243549"/>
           </a:xfrm>
           <a:prstGeom prst="rect">
             <a:avLst/>
@@ -5105,7 +5062,7 @@
           </a:extLst>
         </p:spPr>
         <p:txBody>
-          <a:bodyPr lIns="91424" tIns="91424" rIns="91424" bIns="91424">
+          <a:bodyPr lIns="91423" tIns="91423" rIns="91423" bIns="91423">
             <a:spAutoFit/>
           </a:bodyPr>
           <a:lstStyle/>
@@ -5123,13 +5080,14 @@
             </a:r>
           </a:p>
           <a:p>
-            <a:pPr/>
-            <a:endParaRPr sz="2400">
-              <a:latin typeface="Bree Serif"/>
-              <a:ea typeface="Bree Serif"/>
-              <a:cs typeface="Bree Serif"/>
-              <a:sym typeface="Bree Serif"/>
-            </a:endParaRPr>
+            <a:pPr>
+              <a:defRPr sz="2400">
+                <a:latin typeface="Bree Serif"/>
+                <a:ea typeface="Bree Serif"/>
+                <a:cs typeface="Bree Serif"/>
+                <a:sym typeface="Bree Serif"/>
+              </a:defRPr>
+            </a:pPr>
           </a:p>
           <a:p>
             <a:pPr lvl="1" marL="914400" indent="-355600">
@@ -5209,7 +5167,7 @@
       </p:grpSpPr>
       <p:pic>
         <p:nvPicPr>
-          <p:cNvPr id="219" name="image3.png"/>
+          <p:cNvPr id="219" name="image2.png"/>
           <p:cNvPicPr>
             <a:picLocks noChangeAspect="1"/>
           </p:cNvPicPr>
@@ -5226,7 +5184,7 @@
         <p:spPr>
           <a:xfrm>
             <a:off x="-1902" y="-3963"/>
-            <a:ext cx="9144001" cy="6861963"/>
+            <a:ext cx="9144001" cy="6861964"/>
           </a:xfrm>
           <a:prstGeom prst="rect">
             <a:avLst/>
@@ -5245,7 +5203,7 @@
         <p:spPr>
           <a:xfrm>
             <a:off x="89799" y="1168100"/>
-            <a:ext cx="7666202" cy="538451"/>
+            <a:ext cx="7666202" cy="538449"/>
           </a:xfrm>
           <a:prstGeom prst="rect">
             <a:avLst/>
@@ -5260,7 +5218,7 @@
           </a:extLst>
         </p:spPr>
         <p:txBody>
-          <a:bodyPr lIns="91424" tIns="91424" rIns="91424" bIns="91424">
+          <a:bodyPr lIns="91423" tIns="91423" rIns="91423" bIns="91423">
             <a:spAutoFit/>
           </a:bodyPr>
           <a:lstStyle>
@@ -5283,7 +5241,7 @@
       </p:sp>
       <p:pic>
         <p:nvPicPr>
-          <p:cNvPr id="221" name="01.tiff"/>
+          <p:cNvPr id="221" name="image9.tif"/>
           <p:cNvPicPr>
             <a:picLocks noChangeAspect="1"/>
           </p:cNvPicPr>
@@ -5338,7 +5296,7 @@
       </p:grpSpPr>
       <p:pic>
         <p:nvPicPr>
-          <p:cNvPr id="223" name="image3.png"/>
+          <p:cNvPr id="223" name="image2.png"/>
           <p:cNvPicPr>
             <a:picLocks noChangeAspect="1"/>
           </p:cNvPicPr>
@@ -5355,7 +5313,7 @@
         <p:spPr>
           <a:xfrm>
             <a:off x="-1902" y="-3963"/>
-            <a:ext cx="9144001" cy="6861963"/>
+            <a:ext cx="9144001" cy="6861964"/>
           </a:xfrm>
           <a:prstGeom prst="rect">
             <a:avLst/>
@@ -5373,8 +5331,8 @@
         </p:nvSpPr>
         <p:spPr>
           <a:xfrm>
-            <a:off x="89799" y="1168100"/>
-            <a:ext cx="8483117" cy="2075151"/>
+            <a:off x="89798" y="1168099"/>
+            <a:ext cx="8483119" cy="2075149"/>
           </a:xfrm>
           <a:prstGeom prst="rect">
             <a:avLst/>
@@ -5389,7 +5347,7 @@
           </a:extLst>
         </p:spPr>
         <p:txBody>
-          <a:bodyPr lIns="91424" tIns="91424" rIns="91424" bIns="91424">
+          <a:bodyPr lIns="91423" tIns="91423" rIns="91423" bIns="91423">
             <a:spAutoFit/>
           </a:bodyPr>
           <a:lstStyle/>
@@ -5407,13 +5365,14 @@
             </a:r>
           </a:p>
           <a:p>
-            <a:pPr/>
-            <a:endParaRPr sz="2400">
-              <a:latin typeface="Bree Serif"/>
-              <a:ea typeface="Bree Serif"/>
-              <a:cs typeface="Bree Serif"/>
-              <a:sym typeface="Bree Serif"/>
-            </a:endParaRPr>
+            <a:pPr>
+              <a:defRPr sz="2400">
+                <a:latin typeface="Bree Serif"/>
+                <a:ea typeface="Bree Serif"/>
+                <a:cs typeface="Bree Serif"/>
+                <a:sym typeface="Bree Serif"/>
+              </a:defRPr>
+            </a:pPr>
           </a:p>
           <a:p>
             <a:pPr lvl="1" marL="914400" indent="-355600">
@@ -5467,7 +5426,7 @@
       </p:sp>
       <p:pic>
         <p:nvPicPr>
-          <p:cNvPr id="225" name="01.tiff"/>
+          <p:cNvPr id="225" name="image10.tif"/>
           <p:cNvPicPr>
             <a:picLocks noChangeAspect="1"/>
           </p:cNvPicPr>
@@ -5483,8 +5442,8 @@
         </p:blipFill>
         <p:spPr>
           <a:xfrm>
-            <a:off x="1599411" y="3345183"/>
-            <a:ext cx="5463893" cy="2593621"/>
+            <a:off x="1599410" y="3345183"/>
+            <a:ext cx="5463894" cy="2593621"/>
           </a:xfrm>
           <a:prstGeom prst="rect">
             <a:avLst/>
@@ -5522,7 +5481,7 @@
       </p:grpSpPr>
       <p:pic>
         <p:nvPicPr>
-          <p:cNvPr id="227" name="image3.png"/>
+          <p:cNvPr id="227" name="image2.png"/>
           <p:cNvPicPr>
             <a:picLocks noChangeAspect="1"/>
           </p:cNvPicPr>
@@ -5539,7 +5498,7 @@
         <p:spPr>
           <a:xfrm>
             <a:off x="-1902" y="-3963"/>
-            <a:ext cx="9144001" cy="6861963"/>
+            <a:ext cx="9144001" cy="6861964"/>
           </a:xfrm>
           <a:prstGeom prst="rect">
             <a:avLst/>
@@ -5557,8 +5516,8 @@
         </p:nvSpPr>
         <p:spPr>
           <a:xfrm>
-            <a:off x="89799" y="1168100"/>
-            <a:ext cx="8483117" cy="1490951"/>
+            <a:off x="89798" y="1168099"/>
+            <a:ext cx="8483119" cy="1490949"/>
           </a:xfrm>
           <a:prstGeom prst="rect">
             <a:avLst/>
@@ -5573,7 +5532,7 @@
           </a:extLst>
         </p:spPr>
         <p:txBody>
-          <a:bodyPr lIns="91424" tIns="91424" rIns="91424" bIns="91424">
+          <a:bodyPr lIns="91423" tIns="91423" rIns="91423" bIns="91423">
             <a:spAutoFit/>
           </a:bodyPr>
           <a:lstStyle/>
@@ -5591,13 +5550,14 @@
             </a:r>
           </a:p>
           <a:p>
-            <a:pPr/>
-            <a:endParaRPr sz="2400">
-              <a:latin typeface="Bree Serif"/>
-              <a:ea typeface="Bree Serif"/>
-              <a:cs typeface="Bree Serif"/>
-              <a:sym typeface="Bree Serif"/>
-            </a:endParaRPr>
+            <a:pPr>
+              <a:defRPr sz="2400">
+                <a:latin typeface="Bree Serif"/>
+                <a:ea typeface="Bree Serif"/>
+                <a:cs typeface="Bree Serif"/>
+                <a:sym typeface="Bree Serif"/>
+              </a:defRPr>
+            </a:pPr>
           </a:p>
           <a:p>
             <a:pPr lvl="1" marL="914400" indent="-355600">
@@ -5635,7 +5595,7 @@
       </p:sp>
       <p:pic>
         <p:nvPicPr>
-          <p:cNvPr id="229" name="01.tiff"/>
+          <p:cNvPr id="229" name="image11.tif"/>
           <p:cNvPicPr>
             <a:picLocks noChangeAspect="1"/>
           </p:cNvPicPr>
@@ -5652,445 +5612,7 @@
         <p:spPr>
           <a:xfrm>
             <a:off x="1011449" y="2810497"/>
-            <a:ext cx="7121102" cy="3227167"/>
-          </a:xfrm>
-          <a:prstGeom prst="rect">
-            <a:avLst/>
-          </a:prstGeom>
-          <a:ln w="12700">
-            <a:miter lim="400000"/>
-          </a:ln>
-        </p:spPr>
-      </p:pic>
-    </p:spTree>
-  </p:cSld>
-  <p:clrMapOvr>
-    <a:masterClrMapping/>
-  </p:clrMapOvr>
-  <p:transition xmlns:p14="http://schemas.microsoft.com/office/powerpoint/2010/main" spd="med" advClick="1" p14:dur="1000"/>
-</p:sld>
-</file>
-
-<file path=ppt/slides/slide17.xml><?xml version="1.0" encoding="utf-8"?>
-<p:sld xmlns:a="http://schemas.openxmlformats.org/drawingml/2006/main" xmlns:r="http://schemas.openxmlformats.org/officeDocument/2006/relationships" xmlns:p="http://schemas.openxmlformats.org/presentationml/2006/main" showMasterSp="1" showMasterPhAnim="1">
-  <p:cSld>
-    <p:spTree>
-      <p:nvGrpSpPr>
-        <p:cNvPr id="1" name=""/>
-        <p:cNvGrpSpPr/>
-        <p:nvPr/>
-      </p:nvGrpSpPr>
-      <p:grpSpPr>
-        <a:xfrm>
-          <a:off x="0" y="0"/>
-          <a:ext cx="0" cy="0"/>
-          <a:chOff x="0" y="0"/>
-          <a:chExt cx="0" cy="0"/>
-        </a:xfrm>
-      </p:grpSpPr>
-      <p:pic>
-        <p:nvPicPr>
-          <p:cNvPr id="231" name="image3.png"/>
-          <p:cNvPicPr>
-            <a:picLocks noChangeAspect="1"/>
-          </p:cNvPicPr>
-          <p:nvPr/>
-        </p:nvPicPr>
-        <p:blipFill>
-          <a:blip r:embed="rId2">
-            <a:extLst/>
-          </a:blip>
-          <a:stretch>
-            <a:fillRect/>
-          </a:stretch>
-        </p:blipFill>
-        <p:spPr>
-          <a:xfrm>
-            <a:off x="-1902" y="-3963"/>
-            <a:ext cx="9144001" cy="6861963"/>
-          </a:xfrm>
-          <a:prstGeom prst="rect">
-            <a:avLst/>
-          </a:prstGeom>
-          <a:ln w="12700">
-            <a:miter lim="400000"/>
-          </a:ln>
-        </p:spPr>
-      </p:pic>
-      <p:sp>
-        <p:nvSpPr>
-          <p:cNvPr id="232" name="Shape 232"/>
-          <p:cNvSpPr/>
-          <p:nvPr/>
-        </p:nvSpPr>
-        <p:spPr>
-          <a:xfrm>
-            <a:off x="89799" y="1168100"/>
-            <a:ext cx="7666202" cy="1490951"/>
-          </a:xfrm>
-          <a:prstGeom prst="rect">
-            <a:avLst/>
-          </a:prstGeom>
-          <a:ln w="12700">
-            <a:miter lim="400000"/>
-          </a:ln>
-          <a:extLst>
-            <a:ext uri="{C572A759-6A51-4108-AA02-DFA0A04FC94B}">
-              <ma14:wrappingTextBoxFlag xmlns:ma14="http://schemas.microsoft.com/office/mac/drawingml/2011/main" val="1"/>
-            </a:ext>
-          </a:extLst>
-        </p:spPr>
-        <p:txBody>
-          <a:bodyPr lIns="91424" tIns="91424" rIns="91424" bIns="91424">
-            <a:spAutoFit/>
-          </a:bodyPr>
-          <a:lstStyle/>
-          <a:p>
-            <a:pPr>
-              <a:defRPr sz="2400">
-                <a:latin typeface="American Typewriter"/>
-                <a:ea typeface="American Typewriter"/>
-                <a:cs typeface="American Typewriter"/>
-                <a:sym typeface="American Typewriter"/>
-              </a:defRPr>
-            </a:pPr>
-            <a:r>
-              <a:t>Decorators</a:t>
-            </a:r>
-          </a:p>
-          <a:p>
-            <a:pPr/>
-            <a:endParaRPr sz="2400">
-              <a:latin typeface="Bree Serif"/>
-              <a:ea typeface="Bree Serif"/>
-              <a:cs typeface="Bree Serif"/>
-              <a:sym typeface="Bree Serif"/>
-            </a:endParaRPr>
-          </a:p>
-          <a:p>
-            <a:pPr lvl="1" marL="914400" indent="-355600">
-              <a:buSzPct val="100000"/>
-              <a:buFont typeface="Helvetica"/>
-              <a:buChar char="○"/>
-              <a:defRPr sz="2000">
-                <a:latin typeface="American Typewriter"/>
-                <a:ea typeface="American Typewriter"/>
-                <a:cs typeface="American Typewriter"/>
-                <a:sym typeface="American Typewriter"/>
-              </a:defRPr>
-            </a:pPr>
-            <a:r>
-              <a:t>Used to add new functionality to an existing object, without being obtrusive</a:t>
-            </a:r>
-          </a:p>
-        </p:txBody>
-      </p:sp>
-      <p:pic>
-        <p:nvPicPr>
-          <p:cNvPr id="233" name="01.tiff"/>
-          <p:cNvPicPr>
-            <a:picLocks noChangeAspect="1"/>
-          </p:cNvPicPr>
-          <p:nvPr/>
-        </p:nvPicPr>
-        <p:blipFill>
-          <a:blip r:embed="rId3">
-            <a:extLst/>
-          </a:blip>
-          <a:stretch>
-            <a:fillRect/>
-          </a:stretch>
-        </p:blipFill>
-        <p:spPr>
-          <a:xfrm>
-            <a:off x="493979" y="2660293"/>
-            <a:ext cx="8156042" cy="3403240"/>
-          </a:xfrm>
-          <a:prstGeom prst="rect">
-            <a:avLst/>
-          </a:prstGeom>
-          <a:ln w="12700">
-            <a:miter lim="400000"/>
-          </a:ln>
-          <a:effectLst>
-            <a:outerShdw sx="100000" sy="100000" kx="0" ky="0" algn="b" rotWithShape="0" blurRad="190500" dist="8455" dir="5400000">
-              <a:srgbClr val="000000"/>
-            </a:outerShdw>
-          </a:effectLst>
-        </p:spPr>
-      </p:pic>
-    </p:spTree>
-  </p:cSld>
-  <p:clrMapOvr>
-    <a:masterClrMapping/>
-  </p:clrMapOvr>
-  <p:transition xmlns:p14="http://schemas.microsoft.com/office/powerpoint/2010/main" spd="med" advClick="1" p14:dur="1000"/>
-</p:sld>
-</file>
-
-<file path=ppt/slides/slide18.xml><?xml version="1.0" encoding="utf-8"?>
-<p:sld xmlns:a="http://schemas.openxmlformats.org/drawingml/2006/main" xmlns:r="http://schemas.openxmlformats.org/officeDocument/2006/relationships" xmlns:p="http://schemas.openxmlformats.org/presentationml/2006/main" showMasterSp="1" showMasterPhAnim="1">
-  <p:cSld>
-    <p:spTree>
-      <p:nvGrpSpPr>
-        <p:cNvPr id="1" name=""/>
-        <p:cNvGrpSpPr/>
-        <p:nvPr/>
-      </p:nvGrpSpPr>
-      <p:grpSpPr>
-        <a:xfrm>
-          <a:off x="0" y="0"/>
-          <a:ext cx="0" cy="0"/>
-          <a:chOff x="0" y="0"/>
-          <a:chExt cx="0" cy="0"/>
-        </a:xfrm>
-      </p:grpSpPr>
-      <p:pic>
-        <p:nvPicPr>
-          <p:cNvPr id="235" name="image3.png"/>
-          <p:cNvPicPr>
-            <a:picLocks noChangeAspect="1"/>
-          </p:cNvPicPr>
-          <p:nvPr/>
-        </p:nvPicPr>
-        <p:blipFill>
-          <a:blip r:embed="rId2">
-            <a:extLst/>
-          </a:blip>
-          <a:stretch>
-            <a:fillRect/>
-          </a:stretch>
-        </p:blipFill>
-        <p:spPr>
-          <a:xfrm>
-            <a:off x="-1902" y="-3963"/>
-            <a:ext cx="9144001" cy="6861963"/>
-          </a:xfrm>
-          <a:prstGeom prst="rect">
-            <a:avLst/>
-          </a:prstGeom>
-          <a:ln w="12700">
-            <a:miter lim="400000"/>
-          </a:ln>
-        </p:spPr>
-      </p:pic>
-      <p:sp>
-        <p:nvSpPr>
-          <p:cNvPr id="236" name="Shape 236"/>
-          <p:cNvSpPr/>
-          <p:nvPr/>
-        </p:nvSpPr>
-        <p:spPr>
-          <a:xfrm>
-            <a:off x="89799" y="1168100"/>
-            <a:ext cx="7666202" cy="1198851"/>
-          </a:xfrm>
-          <a:prstGeom prst="rect">
-            <a:avLst/>
-          </a:prstGeom>
-          <a:ln w="12700">
-            <a:miter lim="400000"/>
-          </a:ln>
-          <a:extLst>
-            <a:ext uri="{C572A759-6A51-4108-AA02-DFA0A04FC94B}">
-              <ma14:wrappingTextBoxFlag xmlns:ma14="http://schemas.microsoft.com/office/mac/drawingml/2011/main" val="1"/>
-            </a:ext>
-          </a:extLst>
-        </p:spPr>
-        <p:txBody>
-          <a:bodyPr lIns="91424" tIns="91424" rIns="91424" bIns="91424">
-            <a:spAutoFit/>
-          </a:bodyPr>
-          <a:lstStyle/>
-          <a:p>
-            <a:pPr>
-              <a:defRPr sz="2400">
-                <a:latin typeface="American Typewriter"/>
-                <a:ea typeface="American Typewriter"/>
-                <a:cs typeface="American Typewriter"/>
-                <a:sym typeface="American Typewriter"/>
-              </a:defRPr>
-            </a:pPr>
-            <a:r>
-              <a:t>Decorators</a:t>
-            </a:r>
-          </a:p>
-          <a:p>
-            <a:pPr/>
-            <a:endParaRPr sz="2400">
-              <a:latin typeface="Bree Serif"/>
-              <a:ea typeface="Bree Serif"/>
-              <a:cs typeface="Bree Serif"/>
-              <a:sym typeface="Bree Serif"/>
-            </a:endParaRPr>
-          </a:p>
-          <a:p>
-            <a:pPr lvl="1" marL="914400" indent="-355600">
-              <a:buSzPct val="100000"/>
-              <a:buFont typeface="Helvetica"/>
-              <a:buChar char="○"/>
-              <a:defRPr sz="2000">
-                <a:latin typeface="American Typewriter"/>
-                <a:ea typeface="American Typewriter"/>
-                <a:cs typeface="American Typewriter"/>
-                <a:sym typeface="American Typewriter"/>
-              </a:defRPr>
-            </a:pPr>
-            <a:r>
-              <a:t>Decorators - basic</a:t>
-            </a:r>
-          </a:p>
-        </p:txBody>
-      </p:sp>
-      <p:pic>
-        <p:nvPicPr>
-          <p:cNvPr id="237" name="01.tiff"/>
-          <p:cNvPicPr>
-            <a:picLocks noChangeAspect="1"/>
-          </p:cNvPicPr>
-          <p:nvPr/>
-        </p:nvPicPr>
-        <p:blipFill>
-          <a:blip r:embed="rId3">
-            <a:extLst/>
-          </a:blip>
-          <a:stretch>
-            <a:fillRect/>
-          </a:stretch>
-        </p:blipFill>
-        <p:spPr>
-          <a:xfrm>
-            <a:off x="1184853" y="2353698"/>
-            <a:ext cx="6079538" cy="3941814"/>
-          </a:xfrm>
-          <a:prstGeom prst="rect">
-            <a:avLst/>
-          </a:prstGeom>
-          <a:ln w="12700">
-            <a:miter lim="400000"/>
-          </a:ln>
-        </p:spPr>
-      </p:pic>
-    </p:spTree>
-  </p:cSld>
-  <p:clrMapOvr>
-    <a:masterClrMapping/>
-  </p:clrMapOvr>
-  <p:transition xmlns:p14="http://schemas.microsoft.com/office/powerpoint/2010/main" spd="med" advClick="1" p14:dur="1000"/>
-</p:sld>
-</file>
-
-<file path=ppt/slides/slide19.xml><?xml version="1.0" encoding="utf-8"?>
-<p:sld xmlns:a="http://schemas.openxmlformats.org/drawingml/2006/main" xmlns:r="http://schemas.openxmlformats.org/officeDocument/2006/relationships" xmlns:p="http://schemas.openxmlformats.org/presentationml/2006/main" showMasterSp="1" showMasterPhAnim="1">
-  <p:cSld>
-    <p:spTree>
-      <p:nvGrpSpPr>
-        <p:cNvPr id="1" name=""/>
-        <p:cNvGrpSpPr/>
-        <p:nvPr/>
-      </p:nvGrpSpPr>
-      <p:grpSpPr>
-        <a:xfrm>
-          <a:off x="0" y="0"/>
-          <a:ext cx="0" cy="0"/>
-          <a:chOff x="0" y="0"/>
-          <a:chExt cx="0" cy="0"/>
-        </a:xfrm>
-      </p:grpSpPr>
-      <p:pic>
-        <p:nvPicPr>
-          <p:cNvPr id="239" name="image3.png"/>
-          <p:cNvPicPr>
-            <a:picLocks noChangeAspect="1"/>
-          </p:cNvPicPr>
-          <p:nvPr/>
-        </p:nvPicPr>
-        <p:blipFill>
-          <a:blip r:embed="rId2">
-            <a:extLst/>
-          </a:blip>
-          <a:stretch>
-            <a:fillRect/>
-          </a:stretch>
-        </p:blipFill>
-        <p:spPr>
-          <a:xfrm>
-            <a:off x="-1902" y="-3963"/>
-            <a:ext cx="9144001" cy="6861963"/>
-          </a:xfrm>
-          <a:prstGeom prst="rect">
-            <a:avLst/>
-          </a:prstGeom>
-          <a:ln w="12700">
-            <a:miter lim="400000"/>
-          </a:ln>
-        </p:spPr>
-      </p:pic>
-      <p:sp>
-        <p:nvSpPr>
-          <p:cNvPr id="240" name="Shape 240"/>
-          <p:cNvSpPr/>
-          <p:nvPr/>
-        </p:nvSpPr>
-        <p:spPr>
-          <a:xfrm>
-            <a:off x="89799" y="1168100"/>
-            <a:ext cx="8142635" cy="538451"/>
-          </a:xfrm>
-          <a:prstGeom prst="rect">
-            <a:avLst/>
-          </a:prstGeom>
-          <a:ln w="12700">
-            <a:miter lim="400000"/>
-          </a:ln>
-          <a:extLst>
-            <a:ext uri="{C572A759-6A51-4108-AA02-DFA0A04FC94B}">
-              <ma14:wrappingTextBoxFlag xmlns:ma14="http://schemas.microsoft.com/office/mac/drawingml/2011/main" val="1"/>
-            </a:ext>
-          </a:extLst>
-        </p:spPr>
-        <p:txBody>
-          <a:bodyPr lIns="91424" tIns="91424" rIns="91424" bIns="91424">
-            <a:spAutoFit/>
-          </a:bodyPr>
-          <a:lstStyle>
-            <a:lvl1pPr>
-              <a:defRPr sz="2400">
-                <a:latin typeface="American Typewriter"/>
-                <a:ea typeface="American Typewriter"/>
-                <a:cs typeface="American Typewriter"/>
-                <a:sym typeface="American Typewriter"/>
-              </a:defRPr>
-            </a:lvl1pPr>
-          </a:lstStyle>
-          <a:p>
-            <a:pPr/>
-            <a:r>
-              <a:t>Decorators - Classes </a:t>
-            </a:r>
-          </a:p>
-        </p:txBody>
-      </p:sp>
-      <p:pic>
-        <p:nvPicPr>
-          <p:cNvPr id="241" name="01.tiff"/>
-          <p:cNvPicPr>
-            <a:picLocks noChangeAspect="1"/>
-          </p:cNvPicPr>
-          <p:nvPr/>
-        </p:nvPicPr>
-        <p:blipFill>
-          <a:blip r:embed="rId3">
-            <a:extLst/>
-          </a:blip>
-          <a:stretch>
-            <a:fillRect/>
-          </a:stretch>
-        </p:blipFill>
-        <p:spPr>
-          <a:xfrm>
-            <a:off x="861668" y="1956448"/>
-            <a:ext cx="7420664" cy="3919886"/>
+            <a:ext cx="7121102" cy="3227168"/>
           </a:xfrm>
           <a:prstGeom prst="rect">
             <a:avLst/>
@@ -6128,7 +5650,7 @@
       </p:grpSpPr>
       <p:pic>
         <p:nvPicPr>
-          <p:cNvPr id="171" name="image3.png"/>
+          <p:cNvPr id="171" name="image2.png"/>
           <p:cNvPicPr>
             <a:picLocks noChangeAspect="1"/>
           </p:cNvPicPr>
@@ -6144,8 +5666,8 @@
         </p:blipFill>
         <p:spPr>
           <a:xfrm>
-            <a:off x="-1902" y="-3962"/>
-            <a:ext cx="9144001" cy="6861962"/>
+            <a:off x="-1902" y="-3963"/>
+            <a:ext cx="9144001" cy="6861963"/>
           </a:xfrm>
           <a:prstGeom prst="rect">
             <a:avLst/>
@@ -6163,8 +5685,8 @@
         </p:nvSpPr>
         <p:spPr>
           <a:xfrm>
-            <a:off x="942721" y="1276225"/>
-            <a:ext cx="7587300" cy="3383251"/>
+            <a:off x="942721" y="1276224"/>
+            <a:ext cx="7587299" cy="3383249"/>
           </a:xfrm>
           <a:prstGeom prst="rect">
             <a:avLst/>
@@ -6179,7 +5701,7 @@
           </a:extLst>
         </p:spPr>
         <p:txBody>
-          <a:bodyPr lIns="91424" tIns="91424" rIns="91424" bIns="91424">
+          <a:bodyPr lIns="91423" tIns="91423" rIns="91423" bIns="91423">
             <a:spAutoFit/>
           </a:bodyPr>
           <a:lstStyle/>
@@ -6336,7 +5858,7 @@
       </p:sp>
       <p:pic>
         <p:nvPicPr>
-          <p:cNvPr id="173" name="image9.png" descr="01.png"/>
+          <p:cNvPr id="173" name="image3.png" descr="01.png"/>
           <p:cNvPicPr>
             <a:picLocks noChangeAspect="1"/>
           </p:cNvPicPr>
@@ -6353,7 +5875,7 @@
         <p:spPr>
           <a:xfrm>
             <a:off x="5626325" y="1276212"/>
-            <a:ext cx="2914651" cy="2809876"/>
+            <a:ext cx="2914652" cy="2809876"/>
           </a:xfrm>
           <a:prstGeom prst="rect">
             <a:avLst/>
@@ -6363,823 +5885,6 @@
           </a:ln>
         </p:spPr>
       </p:pic>
-    </p:spTree>
-  </p:cSld>
-  <p:clrMapOvr>
-    <a:masterClrMapping/>
-  </p:clrMapOvr>
-  <p:transition xmlns:p14="http://schemas.microsoft.com/office/powerpoint/2010/main" spd="med" advClick="1" p14:dur="1000"/>
-</p:sld>
-</file>
-
-<file path=ppt/slides/slide20.xml><?xml version="1.0" encoding="utf-8"?>
-<p:sld xmlns:a="http://schemas.openxmlformats.org/drawingml/2006/main" xmlns:r="http://schemas.openxmlformats.org/officeDocument/2006/relationships" xmlns:p="http://schemas.openxmlformats.org/presentationml/2006/main" showMasterSp="1" showMasterPhAnim="1">
-  <p:cSld>
-    <p:spTree>
-      <p:nvGrpSpPr>
-        <p:cNvPr id="1" name=""/>
-        <p:cNvGrpSpPr/>
-        <p:nvPr/>
-      </p:nvGrpSpPr>
-      <p:grpSpPr>
-        <a:xfrm>
-          <a:off x="0" y="0"/>
-          <a:ext cx="0" cy="0"/>
-          <a:chOff x="0" y="0"/>
-          <a:chExt cx="0" cy="0"/>
-        </a:xfrm>
-      </p:grpSpPr>
-      <p:pic>
-        <p:nvPicPr>
-          <p:cNvPr id="243" name="image3.png"/>
-          <p:cNvPicPr>
-            <a:picLocks noChangeAspect="1"/>
-          </p:cNvPicPr>
-          <p:nvPr/>
-        </p:nvPicPr>
-        <p:blipFill>
-          <a:blip r:embed="rId2">
-            <a:extLst/>
-          </a:blip>
-          <a:stretch>
-            <a:fillRect/>
-          </a:stretch>
-        </p:blipFill>
-        <p:spPr>
-          <a:xfrm>
-            <a:off x="-1" y="-1981"/>
-            <a:ext cx="9144001" cy="6861962"/>
-          </a:xfrm>
-          <a:prstGeom prst="rect">
-            <a:avLst/>
-          </a:prstGeom>
-          <a:ln w="12700">
-            <a:miter lim="400000"/>
-          </a:ln>
-        </p:spPr>
-      </p:pic>
-      <p:sp>
-        <p:nvSpPr>
-          <p:cNvPr id="244" name="Shape 244"/>
-          <p:cNvSpPr/>
-          <p:nvPr/>
-        </p:nvSpPr>
-        <p:spPr>
-          <a:xfrm>
-            <a:off x="89799" y="1168100"/>
-            <a:ext cx="8142635" cy="538451"/>
-          </a:xfrm>
-          <a:prstGeom prst="rect">
-            <a:avLst/>
-          </a:prstGeom>
-          <a:ln w="12700">
-            <a:miter lim="400000"/>
-          </a:ln>
-          <a:extLst>
-            <a:ext uri="{C572A759-6A51-4108-AA02-DFA0A04FC94B}">
-              <ma14:wrappingTextBoxFlag xmlns:ma14="http://schemas.microsoft.com/office/mac/drawingml/2011/main" val="1"/>
-            </a:ext>
-          </a:extLst>
-        </p:spPr>
-        <p:txBody>
-          <a:bodyPr lIns="91424" tIns="91424" rIns="91424" bIns="91424">
-            <a:spAutoFit/>
-          </a:bodyPr>
-          <a:lstStyle>
-            <a:lvl1pPr>
-              <a:defRPr sz="2400">
-                <a:latin typeface="American Typewriter"/>
-                <a:ea typeface="American Typewriter"/>
-                <a:cs typeface="American Typewriter"/>
-                <a:sym typeface="American Typewriter"/>
-              </a:defRPr>
-            </a:lvl1pPr>
-          </a:lstStyle>
-          <a:p>
-            <a:pPr/>
-            <a:r>
-              <a:t>Decorators - Methods</a:t>
-            </a:r>
-          </a:p>
-        </p:txBody>
-      </p:sp>
-      <p:pic>
-        <p:nvPicPr>
-          <p:cNvPr id="245" name="01.tiff"/>
-          <p:cNvPicPr>
-            <a:picLocks noChangeAspect="1"/>
-          </p:cNvPicPr>
-          <p:nvPr/>
-        </p:nvPicPr>
-        <p:blipFill>
-          <a:blip r:embed="rId3">
-            <a:extLst/>
-          </a:blip>
-          <a:stretch>
-            <a:fillRect/>
-          </a:stretch>
-        </p:blipFill>
-        <p:spPr>
-          <a:xfrm>
-            <a:off x="629992" y="2048902"/>
-            <a:ext cx="7884016" cy="3630658"/>
-          </a:xfrm>
-          <a:prstGeom prst="rect">
-            <a:avLst/>
-          </a:prstGeom>
-          <a:ln w="12700">
-            <a:miter lim="400000"/>
-          </a:ln>
-        </p:spPr>
-      </p:pic>
-    </p:spTree>
-  </p:cSld>
-  <p:clrMapOvr>
-    <a:masterClrMapping/>
-  </p:clrMapOvr>
-  <p:transition xmlns:p14="http://schemas.microsoft.com/office/powerpoint/2010/main" spd="med" advClick="1" p14:dur="1000"/>
-</p:sld>
-</file>
-
-<file path=ppt/slides/slide21.xml><?xml version="1.0" encoding="utf-8"?>
-<p:sld xmlns:a="http://schemas.openxmlformats.org/drawingml/2006/main" xmlns:r="http://schemas.openxmlformats.org/officeDocument/2006/relationships" xmlns:p="http://schemas.openxmlformats.org/presentationml/2006/main" showMasterSp="1" showMasterPhAnim="1">
-  <p:cSld>
-    <p:spTree>
-      <p:nvGrpSpPr>
-        <p:cNvPr id="1" name=""/>
-        <p:cNvGrpSpPr/>
-        <p:nvPr/>
-      </p:nvGrpSpPr>
-      <p:grpSpPr>
-        <a:xfrm>
-          <a:off x="0" y="0"/>
-          <a:ext cx="0" cy="0"/>
-          <a:chOff x="0" y="0"/>
-          <a:chExt cx="0" cy="0"/>
-        </a:xfrm>
-      </p:grpSpPr>
-      <p:pic>
-        <p:nvPicPr>
-          <p:cNvPr id="247" name="image3.png"/>
-          <p:cNvPicPr>
-            <a:picLocks noChangeAspect="1"/>
-          </p:cNvPicPr>
-          <p:nvPr/>
-        </p:nvPicPr>
-        <p:blipFill>
-          <a:blip r:embed="rId2">
-            <a:extLst/>
-          </a:blip>
-          <a:stretch>
-            <a:fillRect/>
-          </a:stretch>
-        </p:blipFill>
-        <p:spPr>
-          <a:xfrm>
-            <a:off x="-1" y="-1981"/>
-            <a:ext cx="9144001" cy="6861962"/>
-          </a:xfrm>
-          <a:prstGeom prst="rect">
-            <a:avLst/>
-          </a:prstGeom>
-          <a:ln w="12700">
-            <a:miter lim="400000"/>
-          </a:ln>
-        </p:spPr>
-      </p:pic>
-      <p:sp>
-        <p:nvSpPr>
-          <p:cNvPr id="248" name="Shape 248"/>
-          <p:cNvSpPr/>
-          <p:nvPr/>
-        </p:nvSpPr>
-        <p:spPr>
-          <a:xfrm>
-            <a:off x="89799" y="1168100"/>
-            <a:ext cx="8142635" cy="538451"/>
-          </a:xfrm>
-          <a:prstGeom prst="rect">
-            <a:avLst/>
-          </a:prstGeom>
-          <a:ln w="12700">
-            <a:miter lim="400000"/>
-          </a:ln>
-          <a:extLst>
-            <a:ext uri="{C572A759-6A51-4108-AA02-DFA0A04FC94B}">
-              <ma14:wrappingTextBoxFlag xmlns:ma14="http://schemas.microsoft.com/office/mac/drawingml/2011/main" val="1"/>
-            </a:ext>
-          </a:extLst>
-        </p:spPr>
-        <p:txBody>
-          <a:bodyPr lIns="91424" tIns="91424" rIns="91424" bIns="91424">
-            <a:spAutoFit/>
-          </a:bodyPr>
-          <a:lstStyle>
-            <a:lvl1pPr>
-              <a:defRPr sz="2400">
-                <a:latin typeface="American Typewriter"/>
-                <a:ea typeface="American Typewriter"/>
-                <a:cs typeface="American Typewriter"/>
-                <a:sym typeface="American Typewriter"/>
-              </a:defRPr>
-            </a:lvl1pPr>
-          </a:lstStyle>
-          <a:p>
-            <a:pPr/>
-            <a:r>
-              <a:t>Promises</a:t>
-            </a:r>
-          </a:p>
-        </p:txBody>
-      </p:sp>
-      <p:pic>
-        <p:nvPicPr>
-          <p:cNvPr id="249" name="01.tiff"/>
-          <p:cNvPicPr>
-            <a:picLocks noChangeAspect="1"/>
-          </p:cNvPicPr>
-          <p:nvPr/>
-        </p:nvPicPr>
-        <p:blipFill>
-          <a:blip r:embed="rId3">
-            <a:extLst/>
-          </a:blip>
-          <a:stretch>
-            <a:fillRect/>
-          </a:stretch>
-        </p:blipFill>
-        <p:spPr>
-          <a:xfrm>
-            <a:off x="852895" y="1714157"/>
-            <a:ext cx="7036743" cy="4429816"/>
-          </a:xfrm>
-          <a:prstGeom prst="rect">
-            <a:avLst/>
-          </a:prstGeom>
-          <a:ln w="12700">
-            <a:miter lim="400000"/>
-          </a:ln>
-        </p:spPr>
-      </p:pic>
-    </p:spTree>
-  </p:cSld>
-  <p:clrMapOvr>
-    <a:masterClrMapping/>
-  </p:clrMapOvr>
-  <p:transition xmlns:p14="http://schemas.microsoft.com/office/powerpoint/2010/main" spd="med" advClick="1" p14:dur="1000"/>
-</p:sld>
-</file>
-
-<file path=ppt/slides/slide22.xml><?xml version="1.0" encoding="utf-8"?>
-<p:sld xmlns:a="http://schemas.openxmlformats.org/drawingml/2006/main" xmlns:r="http://schemas.openxmlformats.org/officeDocument/2006/relationships" xmlns:p="http://schemas.openxmlformats.org/presentationml/2006/main" showMasterSp="1" showMasterPhAnim="1">
-  <p:cSld>
-    <p:spTree>
-      <p:nvGrpSpPr>
-        <p:cNvPr id="1" name=""/>
-        <p:cNvGrpSpPr/>
-        <p:nvPr/>
-      </p:nvGrpSpPr>
-      <p:grpSpPr>
-        <a:xfrm>
-          <a:off x="0" y="0"/>
-          <a:ext cx="0" cy="0"/>
-          <a:chOff x="0" y="0"/>
-          <a:chExt cx="0" cy="0"/>
-        </a:xfrm>
-      </p:grpSpPr>
-      <p:pic>
-        <p:nvPicPr>
-          <p:cNvPr id="251" name="image3.png"/>
-          <p:cNvPicPr>
-            <a:picLocks noChangeAspect="1"/>
-          </p:cNvPicPr>
-          <p:nvPr/>
-        </p:nvPicPr>
-        <p:blipFill>
-          <a:blip r:embed="rId2">
-            <a:extLst/>
-          </a:blip>
-          <a:stretch>
-            <a:fillRect/>
-          </a:stretch>
-        </p:blipFill>
-        <p:spPr>
-          <a:xfrm>
-            <a:off x="-1" y="-1981"/>
-            <a:ext cx="9144001" cy="6861962"/>
-          </a:xfrm>
-          <a:prstGeom prst="rect">
-            <a:avLst/>
-          </a:prstGeom>
-          <a:ln w="12700">
-            <a:miter lim="400000"/>
-          </a:ln>
-        </p:spPr>
-      </p:pic>
-      <p:sp>
-        <p:nvSpPr>
-          <p:cNvPr id="252" name="Shape 252"/>
-          <p:cNvSpPr/>
-          <p:nvPr/>
-        </p:nvSpPr>
-        <p:spPr>
-          <a:xfrm>
-            <a:off x="89799" y="1168100"/>
-            <a:ext cx="8142635" cy="538451"/>
-          </a:xfrm>
-          <a:prstGeom prst="rect">
-            <a:avLst/>
-          </a:prstGeom>
-          <a:ln w="12700">
-            <a:miter lim="400000"/>
-          </a:ln>
-          <a:extLst>
-            <a:ext uri="{C572A759-6A51-4108-AA02-DFA0A04FC94B}">
-              <ma14:wrappingTextBoxFlag xmlns:ma14="http://schemas.microsoft.com/office/mac/drawingml/2011/main" val="1"/>
-            </a:ext>
-          </a:extLst>
-        </p:spPr>
-        <p:txBody>
-          <a:bodyPr lIns="91424" tIns="91424" rIns="91424" bIns="91424">
-            <a:spAutoFit/>
-          </a:bodyPr>
-          <a:lstStyle>
-            <a:lvl1pPr>
-              <a:defRPr sz="2400">
-                <a:latin typeface="American Typewriter"/>
-                <a:ea typeface="American Typewriter"/>
-                <a:cs typeface="American Typewriter"/>
-                <a:sym typeface="American Typewriter"/>
-              </a:defRPr>
-            </a:lvl1pPr>
-          </a:lstStyle>
-          <a:p>
-            <a:pPr/>
-            <a:r>
-              <a:t>Declare and types</a:t>
-            </a:r>
-          </a:p>
-        </p:txBody>
-      </p:sp>
-      <p:pic>
-        <p:nvPicPr>
-          <p:cNvPr id="253" name="01.tiff"/>
-          <p:cNvPicPr>
-            <a:picLocks noChangeAspect="1"/>
-          </p:cNvPicPr>
-          <p:nvPr/>
-        </p:nvPicPr>
-        <p:blipFill>
-          <a:blip r:embed="rId3">
-            <a:extLst/>
-          </a:blip>
-          <a:stretch>
-            <a:fillRect/>
-          </a:stretch>
-        </p:blipFill>
-        <p:spPr>
-          <a:xfrm>
-            <a:off x="706728" y="2064786"/>
-            <a:ext cx="7730544" cy="2728428"/>
-          </a:xfrm>
-          <a:prstGeom prst="rect">
-            <a:avLst/>
-          </a:prstGeom>
-          <a:ln w="12700">
-            <a:miter lim="400000"/>
-          </a:ln>
-        </p:spPr>
-      </p:pic>
-    </p:spTree>
-  </p:cSld>
-  <p:clrMapOvr>
-    <a:masterClrMapping/>
-  </p:clrMapOvr>
-  <p:transition xmlns:p14="http://schemas.microsoft.com/office/powerpoint/2010/main" spd="med" advClick="1" p14:dur="1000"/>
-</p:sld>
-</file>
-
-<file path=ppt/slides/slide23.xml><?xml version="1.0" encoding="utf-8"?>
-<p:sld xmlns:a="http://schemas.openxmlformats.org/drawingml/2006/main" xmlns:r="http://schemas.openxmlformats.org/officeDocument/2006/relationships" xmlns:p="http://schemas.openxmlformats.org/presentationml/2006/main" showMasterSp="1" showMasterPhAnim="1">
-  <p:cSld>
-    <p:spTree>
-      <p:nvGrpSpPr>
-        <p:cNvPr id="1" name=""/>
-        <p:cNvGrpSpPr/>
-        <p:nvPr/>
-      </p:nvGrpSpPr>
-      <p:grpSpPr>
-        <a:xfrm>
-          <a:off x="0" y="0"/>
-          <a:ext cx="0" cy="0"/>
-          <a:chOff x="0" y="0"/>
-          <a:chExt cx="0" cy="0"/>
-        </a:xfrm>
-      </p:grpSpPr>
-      <p:pic>
-        <p:nvPicPr>
-          <p:cNvPr id="255" name="image3.png"/>
-          <p:cNvPicPr>
-            <a:picLocks noChangeAspect="1"/>
-          </p:cNvPicPr>
-          <p:nvPr/>
-        </p:nvPicPr>
-        <p:blipFill>
-          <a:blip r:embed="rId2">
-            <a:extLst/>
-          </a:blip>
-          <a:stretch>
-            <a:fillRect/>
-          </a:stretch>
-        </p:blipFill>
-        <p:spPr>
-          <a:xfrm>
-            <a:off x="-1" y="-1981"/>
-            <a:ext cx="9144001" cy="6861962"/>
-          </a:xfrm>
-          <a:prstGeom prst="rect">
-            <a:avLst/>
-          </a:prstGeom>
-          <a:ln w="12700">
-            <a:miter lim="400000"/>
-          </a:ln>
-        </p:spPr>
-      </p:pic>
-      <p:sp>
-        <p:nvSpPr>
-          <p:cNvPr id="256" name="Shape 256"/>
-          <p:cNvSpPr/>
-          <p:nvPr/>
-        </p:nvSpPr>
-        <p:spPr>
-          <a:xfrm>
-            <a:off x="89799" y="1168100"/>
-            <a:ext cx="8142635" cy="2506951"/>
-          </a:xfrm>
-          <a:prstGeom prst="rect">
-            <a:avLst/>
-          </a:prstGeom>
-          <a:ln w="12700">
-            <a:miter lim="400000"/>
-          </a:ln>
-          <a:extLst>
-            <a:ext uri="{C572A759-6A51-4108-AA02-DFA0A04FC94B}">
-              <ma14:wrappingTextBoxFlag xmlns:ma14="http://schemas.microsoft.com/office/mac/drawingml/2011/main" val="1"/>
-            </a:ext>
-          </a:extLst>
-        </p:spPr>
-        <p:txBody>
-          <a:bodyPr lIns="91424" tIns="91424" rIns="91424" bIns="91424">
-            <a:spAutoFit/>
-          </a:bodyPr>
-          <a:lstStyle/>
-          <a:p>
-            <a:pPr>
-              <a:defRPr sz="2400">
-                <a:latin typeface="American Typewriter"/>
-                <a:ea typeface="American Typewriter"/>
-                <a:cs typeface="American Typewriter"/>
-                <a:sym typeface="American Typewriter"/>
-              </a:defRPr>
-            </a:pPr>
-            <a:r>
-              <a:t>Destructing</a:t>
-            </a:r>
-          </a:p>
-          <a:p>
-            <a:pPr/>
-            <a:endParaRPr sz="2400">
-              <a:latin typeface="Bree Serif"/>
-              <a:ea typeface="Bree Serif"/>
-              <a:cs typeface="Bree Serif"/>
-              <a:sym typeface="Bree Serif"/>
-            </a:endParaRPr>
-          </a:p>
-          <a:p>
-            <a:pPr lvl="1" marL="985519" indent="-426719">
-              <a:buSzPct val="100000"/>
-              <a:buFont typeface="Helvetica"/>
-              <a:buChar char="○"/>
-              <a:defRPr sz="2000">
-                <a:latin typeface="American Typewriter"/>
-                <a:ea typeface="American Typewriter"/>
-                <a:cs typeface="American Typewriter"/>
-                <a:sym typeface="American Typewriter"/>
-              </a:defRPr>
-            </a:pPr>
-            <a:r>
-              <a:rPr sz="2400">
-                <a:latin typeface="Bree Serif"/>
-                <a:ea typeface="Bree Serif"/>
-                <a:cs typeface="Bree Serif"/>
-                <a:sym typeface="Bree Serif"/>
-              </a:rPr>
-              <a:t>TypeScript Supports following type of destructing:</a:t>
-            </a:r>
-            <a:endParaRPr sz="2400">
-              <a:latin typeface="Bree Serif"/>
-              <a:ea typeface="Bree Serif"/>
-              <a:cs typeface="Bree Serif"/>
-              <a:sym typeface="Bree Serif"/>
-            </a:endParaRPr>
-          </a:p>
-          <a:p>
-            <a:pPr lvl="1" marL="1341119" indent="-426719">
-              <a:spcBef>
-                <a:spcPts val="1000"/>
-              </a:spcBef>
-              <a:buSzPct val="100000"/>
-              <a:buFont typeface="Helvetica"/>
-              <a:buChar char="✦"/>
-              <a:defRPr sz="2000">
-                <a:latin typeface="American Typewriter"/>
-                <a:ea typeface="American Typewriter"/>
-                <a:cs typeface="American Typewriter"/>
-                <a:sym typeface="American Typewriter"/>
-              </a:defRPr>
-            </a:pPr>
-            <a:r>
-              <a:rPr sz="2400">
-                <a:latin typeface="Bree Serif"/>
-                <a:ea typeface="Bree Serif"/>
-                <a:cs typeface="Bree Serif"/>
-                <a:sym typeface="Bree Serif"/>
-              </a:rPr>
-              <a:t>Object destructing</a:t>
-            </a:r>
-            <a:endParaRPr sz="2400">
-              <a:latin typeface="Bree Serif"/>
-              <a:ea typeface="Bree Serif"/>
-              <a:cs typeface="Bree Serif"/>
-              <a:sym typeface="Bree Serif"/>
-            </a:endParaRPr>
-          </a:p>
-          <a:p>
-            <a:pPr lvl="1" marL="1341119" indent="-426719">
-              <a:buSzPct val="100000"/>
-              <a:buFont typeface="Helvetica"/>
-              <a:buChar char="✦"/>
-              <a:defRPr sz="2000">
-                <a:latin typeface="American Typewriter"/>
-                <a:ea typeface="American Typewriter"/>
-                <a:cs typeface="American Typewriter"/>
-                <a:sym typeface="American Typewriter"/>
-              </a:defRPr>
-            </a:pPr>
-            <a:r>
-              <a:rPr sz="2400">
-                <a:latin typeface="Bree Serif"/>
-                <a:ea typeface="Bree Serif"/>
-                <a:cs typeface="Bree Serif"/>
-                <a:sym typeface="Bree Serif"/>
-              </a:rPr>
-              <a:t>Array destructing</a:t>
-            </a:r>
-            <a:endParaRPr sz="2400">
-              <a:latin typeface="Bree Serif"/>
-              <a:ea typeface="Bree Serif"/>
-              <a:cs typeface="Bree Serif"/>
-              <a:sym typeface="Bree Serif"/>
-            </a:endParaRPr>
-          </a:p>
-          <a:p>
-            <a:pPr lvl="1" marL="1341119" indent="-426719">
-              <a:buSzPct val="100000"/>
-              <a:buFont typeface="Helvetica"/>
-              <a:buChar char="✦"/>
-              <a:defRPr sz="2000">
-                <a:latin typeface="American Typewriter"/>
-                <a:ea typeface="American Typewriter"/>
-                <a:cs typeface="American Typewriter"/>
-                <a:sym typeface="American Typewriter"/>
-              </a:defRPr>
-            </a:pPr>
-            <a:r>
-              <a:rPr sz="2400">
-                <a:latin typeface="Bree Serif"/>
-                <a:ea typeface="Bree Serif"/>
-                <a:cs typeface="Bree Serif"/>
-                <a:sym typeface="Bree Serif"/>
-              </a:rPr>
-              <a:t>Module destructing</a:t>
-            </a:r>
-          </a:p>
-        </p:txBody>
-      </p:sp>
-      <p:pic>
-        <p:nvPicPr>
-          <p:cNvPr id="257" name="01.tiff"/>
-          <p:cNvPicPr>
-            <a:picLocks noChangeAspect="1"/>
-          </p:cNvPicPr>
-          <p:nvPr/>
-        </p:nvPicPr>
-        <p:blipFill>
-          <a:blip r:embed="rId3">
-            <a:extLst/>
-          </a:blip>
-          <a:stretch>
-            <a:fillRect/>
-          </a:stretch>
-        </p:blipFill>
-        <p:spPr>
-          <a:xfrm>
-            <a:off x="860331" y="3832083"/>
-            <a:ext cx="7423338" cy="2397917"/>
-          </a:xfrm>
-          <a:prstGeom prst="rect">
-            <a:avLst/>
-          </a:prstGeom>
-          <a:ln w="12700">
-            <a:miter lim="400000"/>
-          </a:ln>
-        </p:spPr>
-      </p:pic>
-      <p:pic>
-        <p:nvPicPr>
-          <p:cNvPr id="258" name="01.jpg"/>
-          <p:cNvPicPr>
-            <a:picLocks noChangeAspect="1"/>
-          </p:cNvPicPr>
-          <p:nvPr/>
-        </p:nvPicPr>
-        <p:blipFill>
-          <a:blip r:embed="rId4">
-            <a:extLst/>
-          </a:blip>
-          <a:stretch>
-            <a:fillRect/>
-          </a:stretch>
-        </p:blipFill>
-        <p:spPr>
-          <a:xfrm>
-            <a:off x="-20053" y="-152505"/>
-            <a:ext cx="9184107" cy="7163010"/>
-          </a:xfrm>
-          <a:prstGeom prst="rect">
-            <a:avLst/>
-          </a:prstGeom>
-          <a:ln w="12700">
-            <a:miter lim="400000"/>
-          </a:ln>
-        </p:spPr>
-      </p:pic>
-    </p:spTree>
-  </p:cSld>
-  <p:clrMapOvr>
-    <a:masterClrMapping/>
-  </p:clrMapOvr>
-  <p:transition xmlns:p14="http://schemas.microsoft.com/office/powerpoint/2010/main" spd="med" advClick="1" p14:dur="1000"/>
-</p:sld>
-</file>
-
-<file path=ppt/slides/slide24.xml><?xml version="1.0" encoding="utf-8"?>
-<p:sld xmlns:a="http://schemas.openxmlformats.org/drawingml/2006/main" xmlns:r="http://schemas.openxmlformats.org/officeDocument/2006/relationships" xmlns:p="http://schemas.openxmlformats.org/presentationml/2006/main" showMasterSp="1" showMasterPhAnim="1">
-  <p:cSld>
-    <p:spTree>
-      <p:nvGrpSpPr>
-        <p:cNvPr id="1" name=""/>
-        <p:cNvGrpSpPr/>
-        <p:nvPr/>
-      </p:nvGrpSpPr>
-      <p:grpSpPr>
-        <a:xfrm>
-          <a:off x="0" y="0"/>
-          <a:ext cx="0" cy="0"/>
-          <a:chOff x="0" y="0"/>
-          <a:chExt cx="0" cy="0"/>
-        </a:xfrm>
-      </p:grpSpPr>
-      <p:sp>
-        <p:nvSpPr>
-          <p:cNvPr id="260" name="Shape 260"/>
-          <p:cNvSpPr/>
-          <p:nvPr>
-            <p:ph type="title"/>
-          </p:nvPr>
-        </p:nvSpPr>
-        <p:spPr>
-          <a:prstGeom prst="rect">
-            <a:avLst/>
-          </a:prstGeom>
-        </p:spPr>
-        <p:txBody>
-          <a:bodyPr lIns="45699" tIns="45699" rIns="45699" bIns="45699"/>
-          <a:lstStyle/>
-          <a:p>
-            <a:pPr/>
-            <a:r>
-              <a:t> </a:t>
-            </a:r>
-          </a:p>
-        </p:txBody>
-      </p:sp>
-      <p:sp>
-        <p:nvSpPr>
-          <p:cNvPr id="261" name="Shape 261"/>
-          <p:cNvSpPr/>
-          <p:nvPr>
-            <p:ph type="body" sz="quarter" idx="1"/>
-          </p:nvPr>
-        </p:nvSpPr>
-        <p:spPr>
-          <a:xfrm>
-            <a:off x="1371599" y="3886200"/>
-            <a:ext cx="6400801" cy="1752600"/>
-          </a:xfrm>
-          <a:prstGeom prst="rect">
-            <a:avLst/>
-          </a:prstGeom>
-        </p:spPr>
-        <p:txBody>
-          <a:bodyPr lIns="45699" tIns="45699" rIns="45699" bIns="45699"/>
-          <a:lstStyle/>
-          <a:p>
-            <a:pPr>
-              <a:spcBef>
-                <a:spcPts val="0"/>
-              </a:spcBef>
-            </a:pPr>
-          </a:p>
-        </p:txBody>
-      </p:sp>
-      <p:pic>
-        <p:nvPicPr>
-          <p:cNvPr id="262" name="image1.png"/>
-          <p:cNvPicPr>
-            <a:picLocks noChangeAspect="1"/>
-          </p:cNvPicPr>
-          <p:nvPr/>
-        </p:nvPicPr>
-        <p:blipFill>
-          <a:blip r:embed="rId2">
-            <a:extLst/>
-          </a:blip>
-          <a:stretch>
-            <a:fillRect/>
-          </a:stretch>
-        </p:blipFill>
-        <p:spPr>
-          <a:xfrm>
-            <a:off x="-12710" y="0"/>
-            <a:ext cx="9193223" cy="6858000"/>
-          </a:xfrm>
-          <a:prstGeom prst="rect">
-            <a:avLst/>
-          </a:prstGeom>
-          <a:ln w="12700">
-            <a:miter lim="400000"/>
-          </a:ln>
-        </p:spPr>
-      </p:pic>
-      <p:sp>
-        <p:nvSpPr>
-          <p:cNvPr id="263" name="Shape 263"/>
-          <p:cNvSpPr/>
-          <p:nvPr/>
-        </p:nvSpPr>
-        <p:spPr>
-          <a:xfrm>
-            <a:off x="1742600" y="2594549"/>
-            <a:ext cx="5682601" cy="2011649"/>
-          </a:xfrm>
-          <a:prstGeom prst="rect">
-            <a:avLst/>
-          </a:prstGeom>
-          <a:ln w="12700">
-            <a:miter lim="400000"/>
-          </a:ln>
-          <a:extLst>
-            <a:ext uri="{C572A759-6A51-4108-AA02-DFA0A04FC94B}">
-              <ma14:wrappingTextBoxFlag xmlns:ma14="http://schemas.microsoft.com/office/mac/drawingml/2011/main" val="1"/>
-            </a:ext>
-          </a:extLst>
-        </p:spPr>
-        <p:txBody>
-          <a:bodyPr lIns="91423" tIns="91423" rIns="91423" bIns="91423">
-            <a:spAutoFit/>
-          </a:bodyPr>
-          <a:lstStyle>
-            <a:lvl1pPr algn="ctr">
-              <a:defRPr b="1" sz="6000">
-                <a:solidFill>
-                  <a:srgbClr val="FFFFFF"/>
-                </a:solidFill>
-                <a:latin typeface="Bree Serif"/>
-                <a:ea typeface="Bree Serif"/>
-                <a:cs typeface="Bree Serif"/>
-                <a:sym typeface="Bree Serif"/>
-              </a:defRPr>
-            </a:lvl1pPr>
-          </a:lstStyle>
-          <a:p>
-            <a:pPr/>
-            <a:r>
-              <a:t>Thank you for your attention</a:t>
-            </a:r>
-          </a:p>
-        </p:txBody>
-      </p:sp>
     </p:spTree>
   </p:cSld>
   <p:clrMapOvr>
@@ -7208,7 +5913,7 @@
       </p:grpSpPr>
       <p:pic>
         <p:nvPicPr>
-          <p:cNvPr id="175" name="image3.png"/>
+          <p:cNvPr id="175" name="image2.png"/>
           <p:cNvPicPr>
             <a:picLocks noChangeAspect="1"/>
           </p:cNvPicPr>
@@ -7225,7 +5930,7 @@
         <p:spPr>
           <a:xfrm>
             <a:off x="-1902" y="-3963"/>
-            <a:ext cx="9144001" cy="6861963"/>
+            <a:ext cx="9144001" cy="6861964"/>
           </a:xfrm>
           <a:prstGeom prst="rect">
             <a:avLst/>
@@ -7243,8 +5948,8 @@
         </p:nvSpPr>
         <p:spPr>
           <a:xfrm>
-            <a:off x="293924" y="1168100"/>
-            <a:ext cx="7624454" cy="1783051"/>
+            <a:off x="293923" y="1168099"/>
+            <a:ext cx="7624455" cy="1783049"/>
           </a:xfrm>
           <a:prstGeom prst="rect">
             <a:avLst/>
@@ -7259,7 +5964,7 @@
           </a:extLst>
         </p:spPr>
         <p:txBody>
-          <a:bodyPr lIns="91424" tIns="91424" rIns="91424" bIns="91424">
+          <a:bodyPr lIns="91423" tIns="91423" rIns="91423" bIns="91423">
             <a:spAutoFit/>
           </a:bodyPr>
           <a:lstStyle/>
@@ -7277,13 +5982,14 @@
             </a:r>
           </a:p>
           <a:p>
-            <a:pPr/>
-            <a:endParaRPr sz="2400">
-              <a:latin typeface="Bree Serif"/>
-              <a:ea typeface="Bree Serif"/>
-              <a:cs typeface="Bree Serif"/>
-              <a:sym typeface="Bree Serif"/>
-            </a:endParaRPr>
+            <a:pPr>
+              <a:defRPr sz="2400">
+                <a:latin typeface="Bree Serif"/>
+                <a:ea typeface="Bree Serif"/>
+                <a:cs typeface="Bree Serif"/>
+                <a:sym typeface="Bree Serif"/>
+              </a:defRPr>
+            </a:pPr>
           </a:p>
           <a:p>
             <a:pPr lvl="1" marL="914400" indent="-355600">
@@ -7337,7 +6043,7 @@
       </p:sp>
       <p:pic>
         <p:nvPicPr>
-          <p:cNvPr id="177" name="01.tiff"/>
+          <p:cNvPr id="177" name="image1.tif"/>
           <p:cNvPicPr>
             <a:picLocks noChangeAspect="1"/>
           </p:cNvPicPr>
@@ -7353,8 +6059,8 @@
         </p:blipFill>
         <p:spPr>
           <a:xfrm>
-            <a:off x="1103631" y="3121458"/>
-            <a:ext cx="6936738" cy="3052710"/>
+            <a:off x="1103630" y="3121457"/>
+            <a:ext cx="6936739" cy="3052711"/>
           </a:xfrm>
           <a:prstGeom prst="rect">
             <a:avLst/>
@@ -7392,7 +6098,7 @@
       </p:grpSpPr>
       <p:pic>
         <p:nvPicPr>
-          <p:cNvPr id="179" name="image3.png"/>
+          <p:cNvPr id="179" name="image2.png"/>
           <p:cNvPicPr>
             <a:picLocks noChangeAspect="1"/>
           </p:cNvPicPr>
@@ -7409,7 +6115,7 @@
         <p:spPr>
           <a:xfrm>
             <a:off x="-1902" y="-3963"/>
-            <a:ext cx="9144001" cy="6861963"/>
+            <a:ext cx="9144001" cy="6861964"/>
           </a:xfrm>
           <a:prstGeom prst="rect">
             <a:avLst/>
@@ -7427,8 +6133,8 @@
         </p:nvSpPr>
         <p:spPr>
           <a:xfrm>
-            <a:off x="89799" y="1168100"/>
-            <a:ext cx="8724932" cy="2075151"/>
+            <a:off x="89799" y="1168099"/>
+            <a:ext cx="8724932" cy="2075149"/>
           </a:xfrm>
           <a:prstGeom prst="rect">
             <a:avLst/>
@@ -7443,7 +6149,7 @@
           </a:extLst>
         </p:spPr>
         <p:txBody>
-          <a:bodyPr lIns="91424" tIns="91424" rIns="91424" bIns="91424">
+          <a:bodyPr lIns="91423" tIns="91423" rIns="91423" bIns="91423">
             <a:spAutoFit/>
           </a:bodyPr>
           <a:lstStyle/>
@@ -7461,13 +6167,14 @@
             </a:r>
           </a:p>
           <a:p>
-            <a:pPr/>
-            <a:endParaRPr sz="2400">
-              <a:latin typeface="Bree Serif"/>
-              <a:ea typeface="Bree Serif"/>
-              <a:cs typeface="Bree Serif"/>
-              <a:sym typeface="Bree Serif"/>
-            </a:endParaRPr>
+            <a:pPr>
+              <a:defRPr sz="2400">
+                <a:latin typeface="Bree Serif"/>
+                <a:ea typeface="Bree Serif"/>
+                <a:cs typeface="Bree Serif"/>
+                <a:sym typeface="Bree Serif"/>
+              </a:defRPr>
+            </a:pPr>
           </a:p>
           <a:p>
             <a:pPr lvl="1" marL="914400" indent="-355600">
@@ -7521,7 +6228,7 @@
       </p:sp>
       <p:pic>
         <p:nvPicPr>
-          <p:cNvPr id="181" name="01.tiff"/>
+          <p:cNvPr id="181" name="image2.tif"/>
           <p:cNvPicPr>
             <a:picLocks noChangeAspect="1"/>
           </p:cNvPicPr>
@@ -7537,8 +6244,8 @@
         </p:blipFill>
         <p:spPr>
           <a:xfrm>
-            <a:off x="2115005" y="3195229"/>
-            <a:ext cx="4913990" cy="3198456"/>
+            <a:off x="2115005" y="3195228"/>
+            <a:ext cx="4913990" cy="3198457"/>
           </a:xfrm>
           <a:prstGeom prst="rect">
             <a:avLst/>
@@ -7576,7 +6283,7 @@
       </p:grpSpPr>
       <p:pic>
         <p:nvPicPr>
-          <p:cNvPr id="183" name="image3.png"/>
+          <p:cNvPr id="183" name="image2.png"/>
           <p:cNvPicPr>
             <a:picLocks noChangeAspect="1"/>
           </p:cNvPicPr>
@@ -7593,7 +6300,7 @@
         <p:spPr>
           <a:xfrm>
             <a:off x="-1902" y="-3963"/>
-            <a:ext cx="9144001" cy="6861963"/>
+            <a:ext cx="9144001" cy="6861964"/>
           </a:xfrm>
           <a:prstGeom prst="rect">
             <a:avLst/>
@@ -7611,8 +6318,8 @@
         </p:nvSpPr>
         <p:spPr>
           <a:xfrm>
-            <a:off x="89799" y="1168100"/>
-            <a:ext cx="8724932" cy="1490951"/>
+            <a:off x="89799" y="1168099"/>
+            <a:ext cx="8724932" cy="1490949"/>
           </a:xfrm>
           <a:prstGeom prst="rect">
             <a:avLst/>
@@ -7627,7 +6334,7 @@
           </a:extLst>
         </p:spPr>
         <p:txBody>
-          <a:bodyPr lIns="91424" tIns="91424" rIns="91424" bIns="91424">
+          <a:bodyPr lIns="91423" tIns="91423" rIns="91423" bIns="91423">
             <a:spAutoFit/>
           </a:bodyPr>
           <a:lstStyle/>
@@ -7645,13 +6352,14 @@
             </a:r>
           </a:p>
           <a:p>
-            <a:pPr/>
-            <a:endParaRPr sz="2400">
-              <a:latin typeface="Bree Serif"/>
-              <a:ea typeface="Bree Serif"/>
-              <a:cs typeface="Bree Serif"/>
-              <a:sym typeface="Bree Serif"/>
-            </a:endParaRPr>
+            <a:pPr>
+              <a:defRPr sz="2400">
+                <a:latin typeface="Bree Serif"/>
+                <a:ea typeface="Bree Serif"/>
+                <a:cs typeface="Bree Serif"/>
+                <a:sym typeface="Bree Serif"/>
+              </a:defRPr>
+            </a:pPr>
           </a:p>
           <a:p>
             <a:pPr lvl="1" marL="914400" indent="-355600">
@@ -7673,7 +6381,7 @@
       </p:sp>
       <p:pic>
         <p:nvPicPr>
-          <p:cNvPr id="185" name="01.tiff"/>
+          <p:cNvPr id="185" name="image2.tif"/>
           <p:cNvPicPr>
             <a:picLocks noChangeAspect="1"/>
           </p:cNvPicPr>
@@ -7689,8 +6397,8 @@
         </p:blipFill>
         <p:spPr>
           <a:xfrm>
-            <a:off x="1960024" y="2763553"/>
-            <a:ext cx="5223952" cy="3400205"/>
+            <a:off x="1960023" y="2763553"/>
+            <a:ext cx="5223954" cy="3400205"/>
           </a:xfrm>
           <a:prstGeom prst="rect">
             <a:avLst/>
@@ -7728,7 +6436,7 @@
       </p:grpSpPr>
       <p:pic>
         <p:nvPicPr>
-          <p:cNvPr id="187" name="image3.png"/>
+          <p:cNvPr id="187" name="image2.png"/>
           <p:cNvPicPr>
             <a:picLocks noChangeAspect="1"/>
           </p:cNvPicPr>
@@ -7745,7 +6453,7 @@
         <p:spPr>
           <a:xfrm>
             <a:off x="-1902" y="-3963"/>
-            <a:ext cx="9144001" cy="6861963"/>
+            <a:ext cx="9144001" cy="6861964"/>
           </a:xfrm>
           <a:prstGeom prst="rect">
             <a:avLst/>
@@ -7763,8 +6471,8 @@
         </p:nvSpPr>
         <p:spPr>
           <a:xfrm>
-            <a:off x="89799" y="1168100"/>
-            <a:ext cx="7666202" cy="1783051"/>
+            <a:off x="89799" y="1168099"/>
+            <a:ext cx="7666202" cy="1783049"/>
           </a:xfrm>
           <a:prstGeom prst="rect">
             <a:avLst/>
@@ -7779,7 +6487,7 @@
           </a:extLst>
         </p:spPr>
         <p:txBody>
-          <a:bodyPr lIns="91424" tIns="91424" rIns="91424" bIns="91424">
+          <a:bodyPr lIns="91423" tIns="91423" rIns="91423" bIns="91423">
             <a:spAutoFit/>
           </a:bodyPr>
           <a:lstStyle/>
@@ -7797,13 +6505,14 @@
             </a:r>
           </a:p>
           <a:p>
-            <a:pPr/>
-            <a:endParaRPr sz="2400">
-              <a:latin typeface="Bree Serif"/>
-              <a:ea typeface="Bree Serif"/>
-              <a:cs typeface="Bree Serif"/>
-              <a:sym typeface="Bree Serif"/>
-            </a:endParaRPr>
+            <a:pPr>
+              <a:defRPr sz="2400">
+                <a:latin typeface="Bree Serif"/>
+                <a:ea typeface="Bree Serif"/>
+                <a:cs typeface="Bree Serif"/>
+                <a:sym typeface="Bree Serif"/>
+              </a:defRPr>
+            </a:pPr>
           </a:p>
           <a:p>
             <a:pPr lvl="1" marL="914400" indent="-355600">
@@ -7841,7 +6550,7 @@
       </p:sp>
       <p:pic>
         <p:nvPicPr>
-          <p:cNvPr id="189" name="01.tiff"/>
+          <p:cNvPr id="189" name="image3.tif"/>
           <p:cNvPicPr>
             <a:picLocks noChangeAspect="1"/>
           </p:cNvPicPr>
@@ -7857,8 +6566,8 @@
         </p:blipFill>
         <p:spPr>
           <a:xfrm>
-            <a:off x="1907433" y="3074237"/>
-            <a:ext cx="5329134" cy="2868007"/>
+            <a:off x="1907432" y="3074236"/>
+            <a:ext cx="5329136" cy="2868008"/>
           </a:xfrm>
           <a:prstGeom prst="rect">
             <a:avLst/>
@@ -7896,7 +6605,7 @@
       </p:grpSpPr>
       <p:pic>
         <p:nvPicPr>
-          <p:cNvPr id="191" name="image3.png"/>
+          <p:cNvPr id="191" name="image2.png"/>
           <p:cNvPicPr>
             <a:picLocks noChangeAspect="1"/>
           </p:cNvPicPr>
@@ -7913,7 +6622,7 @@
         <p:spPr>
           <a:xfrm>
             <a:off x="-1902" y="-3963"/>
-            <a:ext cx="9144001" cy="6861963"/>
+            <a:ext cx="9144001" cy="6861964"/>
           </a:xfrm>
           <a:prstGeom prst="rect">
             <a:avLst/>
@@ -7931,8 +6640,8 @@
         </p:nvSpPr>
         <p:spPr>
           <a:xfrm>
-            <a:off x="89799" y="1168100"/>
-            <a:ext cx="7666202" cy="1275051"/>
+            <a:off x="89799" y="1168099"/>
+            <a:ext cx="7666202" cy="894049"/>
           </a:xfrm>
           <a:prstGeom prst="rect">
             <a:avLst/>
@@ -7947,37 +6656,30 @@
           </a:extLst>
         </p:spPr>
         <p:txBody>
-          <a:bodyPr lIns="91424" tIns="91424" rIns="91424" bIns="91424">
+          <a:bodyPr lIns="91423" tIns="91423" rIns="91423" bIns="91423">
             <a:spAutoFit/>
           </a:bodyPr>
-          <a:lstStyle/>
-          <a:p>
-            <a:pPr>
+          <a:lstStyle>
+            <a:lvl1pPr>
               <a:defRPr sz="2400">
                 <a:latin typeface="American Typewriter"/>
                 <a:ea typeface="American Typewriter"/>
                 <a:cs typeface="American Typewriter"/>
                 <a:sym typeface="American Typewriter"/>
               </a:defRPr>
-            </a:pPr>
+            </a:lvl1pPr>
+          </a:lstStyle>
+          <a:p>
+            <a:pPr/>
             <a:r>
               <a:t>Inheritance</a:t>
             </a:r>
-          </a:p>
-          <a:p>
-            <a:pPr/>
-            <a:endParaRPr sz="2400">
-              <a:latin typeface="Bree Serif"/>
-              <a:ea typeface="Bree Serif"/>
-              <a:cs typeface="Bree Serif"/>
-              <a:sym typeface="Bree Serif"/>
-            </a:endParaRPr>
           </a:p>
         </p:txBody>
       </p:sp>
       <p:pic>
         <p:nvPicPr>
-          <p:cNvPr id="193" name="01.png"/>
+          <p:cNvPr id="193" name="image4.png"/>
           <p:cNvPicPr>
             <a:picLocks noChangeAspect="1"/>
           </p:cNvPicPr>
@@ -7994,7 +6696,7 @@
         <p:spPr>
           <a:xfrm>
             <a:off x="952500" y="1923517"/>
-            <a:ext cx="7239000" cy="4254501"/>
+            <a:ext cx="7239000" cy="4254502"/>
           </a:xfrm>
           <a:prstGeom prst="rect">
             <a:avLst/>
@@ -8032,7 +6734,7 @@
       </p:grpSpPr>
       <p:pic>
         <p:nvPicPr>
-          <p:cNvPr id="195" name="image3.png"/>
+          <p:cNvPr id="195" name="image2.png"/>
           <p:cNvPicPr>
             <a:picLocks noChangeAspect="1"/>
           </p:cNvPicPr>
@@ -8049,7 +6751,7 @@
         <p:spPr>
           <a:xfrm>
             <a:off x="-1902" y="-3963"/>
-            <a:ext cx="9144001" cy="6861963"/>
+            <a:ext cx="9144001" cy="6861964"/>
           </a:xfrm>
           <a:prstGeom prst="rect">
             <a:avLst/>
@@ -8068,7 +6770,7 @@
         <p:spPr>
           <a:xfrm>
             <a:off x="89799" y="1168100"/>
-            <a:ext cx="7666202" cy="538451"/>
+            <a:ext cx="7666202" cy="538449"/>
           </a:xfrm>
           <a:prstGeom prst="rect">
             <a:avLst/>
@@ -8083,7 +6785,7 @@
           </a:extLst>
         </p:spPr>
         <p:txBody>
-          <a:bodyPr lIns="91424" tIns="91424" rIns="91424" bIns="91424">
+          <a:bodyPr lIns="91423" tIns="91423" rIns="91423" bIns="91423">
             <a:spAutoFit/>
           </a:bodyPr>
           <a:lstStyle>
@@ -8106,7 +6808,7 @@
       </p:sp>
       <p:pic>
         <p:nvPicPr>
-          <p:cNvPr id="197" name="01.tiff"/>
+          <p:cNvPr id="197" name="image4.tif"/>
           <p:cNvPicPr>
             <a:picLocks noChangeAspect="1"/>
           </p:cNvPicPr>
@@ -8122,8 +6824,8 @@
         </p:blipFill>
         <p:spPr>
           <a:xfrm>
-            <a:off x="234304" y="1753704"/>
-            <a:ext cx="4664198" cy="2132964"/>
+            <a:off x="234303" y="1753704"/>
+            <a:ext cx="4664199" cy="2132964"/>
           </a:xfrm>
           <a:prstGeom prst="rect">
             <a:avLst/>
@@ -8135,7 +6837,7 @@
       </p:pic>
       <p:pic>
         <p:nvPicPr>
-          <p:cNvPr id="198" name="01.tiff"/>
+          <p:cNvPr id="198" name="image5.tif"/>
           <p:cNvPicPr>
             <a:picLocks noChangeAspect="1"/>
           </p:cNvPicPr>
@@ -8151,8 +6853,8 @@
         </p:blipFill>
         <p:spPr>
           <a:xfrm>
-            <a:off x="3614279" y="3454266"/>
-            <a:ext cx="5214198" cy="2582734"/>
+            <a:off x="3614279" y="3454265"/>
+            <a:ext cx="5214199" cy="2582735"/>
           </a:xfrm>
           <a:prstGeom prst="rect">
             <a:avLst/>
@@ -8190,7 +6892,7 @@
       </p:grpSpPr>
       <p:pic>
         <p:nvPicPr>
-          <p:cNvPr id="200" name="image3.png"/>
+          <p:cNvPr id="200" name="image2.png"/>
           <p:cNvPicPr>
             <a:picLocks noChangeAspect="1"/>
           </p:cNvPicPr>
@@ -8207,7 +6909,7 @@
         <p:spPr>
           <a:xfrm>
             <a:off x="-1902" y="-3963"/>
-            <a:ext cx="9144001" cy="6861963"/>
+            <a:ext cx="9144001" cy="6861964"/>
           </a:xfrm>
           <a:prstGeom prst="rect">
             <a:avLst/>
@@ -8226,7 +6928,7 @@
         <p:spPr>
           <a:xfrm>
             <a:off x="89799" y="1168100"/>
-            <a:ext cx="7666202" cy="538451"/>
+            <a:ext cx="7666202" cy="538449"/>
           </a:xfrm>
           <a:prstGeom prst="rect">
             <a:avLst/>
@@ -8241,7 +6943,7 @@
           </a:extLst>
         </p:spPr>
         <p:txBody>
-          <a:bodyPr lIns="91424" tIns="91424" rIns="91424" bIns="91424">
+          <a:bodyPr lIns="91423" tIns="91423" rIns="91423" bIns="91423">
             <a:spAutoFit/>
           </a:bodyPr>
           <a:lstStyle>
@@ -8269,14 +6971,14 @@
           <p:nvPr/>
         </p:nvGraphicFramePr>
         <p:xfrm>
-          <a:off x="366176" y="2460370"/>
-          <a:ext cx="8424348" cy="1949960"/>
+          <a:off x="366176" y="2460369"/>
+          <a:ext cx="8411644" cy="1937258"/>
         </p:xfrm>
         <a:graphic xmlns:a="http://schemas.openxmlformats.org/drawingml/2006/main">
           <a:graphicData uri="http://schemas.openxmlformats.org/drawingml/2006/table">
             <a:tbl>
               <a:tblPr firstCol="0" firstRow="0" lastCol="0" lastRow="0" bandCol="0" bandRow="1" rtl="0">
-                <a:tableStyleId>{C7B018BB-80A7-4F77-B60F-C8B233D01FF8}</a:tableStyleId>
+                <a:tableStyleId>{4C3C2611-4C71-4FC5-86AE-919BDF0F9419}</a:tableStyleId>
               </a:tblPr>
               <a:tblGrid>
                 <a:gridCol w="2102911"/>
@@ -8684,14 +7386,14 @@
     </a:clrScheme>
     <a:fontScheme name="Simple Light">
       <a:majorFont>
+        <a:latin typeface="Helvetica"/>
+        <a:ea typeface="Helvetica"/>
+        <a:cs typeface="Helvetica"/>
+      </a:majorFont>
+      <a:minorFont>
         <a:latin typeface="Helvetica Neue"/>
         <a:ea typeface="Helvetica Neue"/>
         <a:cs typeface="Helvetica Neue"/>
-      </a:majorFont>
-      <a:minorFont>
-        <a:latin typeface="Helvetica"/>
-        <a:ea typeface="Helvetica"/>
-        <a:cs typeface="Helvetica"/>
       </a:minorFont>
     </a:fontScheme>
     <a:fmtScheme name="Simple Light">
@@ -8786,9 +7488,9 @@
         </a:effectStyle>
         <a:effectStyle>
           <a:effectLst>
-            <a:outerShdw sx="100000" sy="100000" kx="0" ky="0" algn="b" rotWithShape="0" blurRad="38100" dist="20000" dir="5400000">
+            <a:outerShdw sx="100000" sy="100000" kx="0" ky="0" algn="b" rotWithShape="0" blurRad="38100" dist="23000" dir="5400000">
               <a:srgbClr val="000000">
-                <a:alpha val="38000"/>
+                <a:alpha val="35000"/>
               </a:srgbClr>
             </a:outerShdw>
           </a:effectLst>
@@ -8868,7 +7570,7 @@
         </a:effectLst>
         <a:sp3d/>
       </a:spPr>
-      <a:bodyPr rot="0" spcFirstLastPara="1" vertOverflow="overflow" horzOverflow="overflow" vert="horz" wrap="square" lIns="45719" tIns="45719" rIns="45719" bIns="45719" numCol="1" spcCol="38100" rtlCol="0" anchor="ctr" upright="0">
+      <a:bodyPr rot="0" spcFirstLastPara="1" vertOverflow="overflow" horzOverflow="overflow" vert="horz" wrap="square" lIns="45718" tIns="45718" rIns="45718" bIns="45718" numCol="1" spcCol="38100" rtlCol="0" anchor="ctr" upright="0">
         <a:spAutoFit/>
       </a:bodyPr>
       <a:lstStyle>
@@ -8896,10 +7598,10 @@
             </a:solidFill>
             <a:effectLst/>
             <a:uFillTx/>
-            <a:latin typeface="Arial"/>
-            <a:ea typeface="Arial"/>
-            <a:cs typeface="Arial"/>
-            <a:sym typeface="Arial"/>
+            <a:latin typeface="+mj-lt"/>
+            <a:ea typeface="+mj-ea"/>
+            <a:cs typeface="+mj-cs"/>
+            <a:sym typeface="Helvetica"/>
           </a:defRPr>
         </a:defPPr>
         <a:lvl1pPr marL="0" marR="0" indent="0" algn="l" defTabSz="914400" rtl="0" fontAlgn="auto" latinLnBrk="1" hangingPunct="0">
@@ -9155,9 +7857,9 @@
           <a:round/>
         </a:ln>
         <a:effectLst>
-          <a:outerShdw sx="100000" sy="100000" kx="0" ky="0" algn="b" rotWithShape="0" blurRad="38100" dist="20000" dir="5400000">
+          <a:outerShdw sx="100000" sy="100000" kx="0" ky="0" algn="b" rotWithShape="0" blurRad="38100" dist="23000" dir="5400000">
             <a:srgbClr val="000000">
-              <a:alpha val="38000"/>
+              <a:alpha val="35000"/>
             </a:srgbClr>
           </a:outerShdw>
         </a:effectLst>
@@ -9445,7 +8147,7 @@
         <a:effectLst/>
         <a:sp3d/>
       </a:spPr>
-      <a:bodyPr rot="0" spcFirstLastPara="1" vertOverflow="overflow" horzOverflow="overflow" vert="horz" wrap="square" lIns="45719" tIns="45719" rIns="45719" bIns="45719" numCol="1" spcCol="38100" rtlCol="0" anchor="t" upright="0">
+      <a:bodyPr rot="0" spcFirstLastPara="1" vertOverflow="overflow" horzOverflow="overflow" vert="horz" wrap="square" lIns="45718" tIns="45718" rIns="45718" bIns="45718" numCol="1" spcCol="38100" rtlCol="0" anchor="t" upright="0">
         <a:spAutoFit/>
       </a:bodyPr>
       <a:lstStyle>
@@ -9473,10 +8175,10 @@
             </a:solidFill>
             <a:effectLst/>
             <a:uFillTx/>
-            <a:latin typeface="Arial"/>
-            <a:ea typeface="Arial"/>
-            <a:cs typeface="Arial"/>
-            <a:sym typeface="Arial"/>
+            <a:latin typeface="+mj-lt"/>
+            <a:ea typeface="+mj-ea"/>
+            <a:cs typeface="+mj-cs"/>
+            <a:sym typeface="Helvetica"/>
           </a:defRPr>
         </a:defPPr>
         <a:lvl1pPr marL="0" marR="0" indent="0" algn="l" defTabSz="914400" rtl="0" fontAlgn="auto" latinLnBrk="1" hangingPunct="0">
@@ -9768,14 +8470,14 @@
     </a:clrScheme>
     <a:fontScheme name="Simple Light">
       <a:majorFont>
+        <a:latin typeface="Helvetica"/>
+        <a:ea typeface="Helvetica"/>
+        <a:cs typeface="Helvetica"/>
+      </a:majorFont>
+      <a:minorFont>
         <a:latin typeface="Helvetica Neue"/>
         <a:ea typeface="Helvetica Neue"/>
         <a:cs typeface="Helvetica Neue"/>
-      </a:majorFont>
-      <a:minorFont>
-        <a:latin typeface="Helvetica"/>
-        <a:ea typeface="Helvetica"/>
-        <a:cs typeface="Helvetica"/>
       </a:minorFont>
     </a:fontScheme>
     <a:fmtScheme name="Simple Light">
@@ -9870,9 +8572,9 @@
         </a:effectStyle>
         <a:effectStyle>
           <a:effectLst>
-            <a:outerShdw sx="100000" sy="100000" kx="0" ky="0" algn="b" rotWithShape="0" blurRad="38100" dist="20000" dir="5400000">
+            <a:outerShdw sx="100000" sy="100000" kx="0" ky="0" algn="b" rotWithShape="0" blurRad="38100" dist="23000" dir="5400000">
               <a:srgbClr val="000000">
-                <a:alpha val="38000"/>
+                <a:alpha val="35000"/>
               </a:srgbClr>
             </a:outerShdw>
           </a:effectLst>
@@ -9952,7 +8654,7 @@
         </a:effectLst>
         <a:sp3d/>
       </a:spPr>
-      <a:bodyPr rot="0" spcFirstLastPara="1" vertOverflow="overflow" horzOverflow="overflow" vert="horz" wrap="square" lIns="45719" tIns="45719" rIns="45719" bIns="45719" numCol="1" spcCol="38100" rtlCol="0" anchor="ctr" upright="0">
+      <a:bodyPr rot="0" spcFirstLastPara="1" vertOverflow="overflow" horzOverflow="overflow" vert="horz" wrap="square" lIns="45718" tIns="45718" rIns="45718" bIns="45718" numCol="1" spcCol="38100" rtlCol="0" anchor="ctr" upright="0">
         <a:spAutoFit/>
       </a:bodyPr>
       <a:lstStyle>
@@ -9980,10 +8682,10 @@
             </a:solidFill>
             <a:effectLst/>
             <a:uFillTx/>
-            <a:latin typeface="Arial"/>
-            <a:ea typeface="Arial"/>
-            <a:cs typeface="Arial"/>
-            <a:sym typeface="Arial"/>
+            <a:latin typeface="+mj-lt"/>
+            <a:ea typeface="+mj-ea"/>
+            <a:cs typeface="+mj-cs"/>
+            <a:sym typeface="Helvetica"/>
           </a:defRPr>
         </a:defPPr>
         <a:lvl1pPr marL="0" marR="0" indent="0" algn="l" defTabSz="914400" rtl="0" fontAlgn="auto" latinLnBrk="1" hangingPunct="0">
@@ -10239,9 +8941,9 @@
           <a:round/>
         </a:ln>
         <a:effectLst>
-          <a:outerShdw sx="100000" sy="100000" kx="0" ky="0" algn="b" rotWithShape="0" blurRad="38100" dist="20000" dir="5400000">
+          <a:outerShdw sx="100000" sy="100000" kx="0" ky="0" algn="b" rotWithShape="0" blurRad="38100" dist="23000" dir="5400000">
             <a:srgbClr val="000000">
-              <a:alpha val="38000"/>
+              <a:alpha val="35000"/>
             </a:srgbClr>
           </a:outerShdw>
         </a:effectLst>
@@ -10529,7 +9231,7 @@
         <a:effectLst/>
         <a:sp3d/>
       </a:spPr>
-      <a:bodyPr rot="0" spcFirstLastPara="1" vertOverflow="overflow" horzOverflow="overflow" vert="horz" wrap="square" lIns="45719" tIns="45719" rIns="45719" bIns="45719" numCol="1" spcCol="38100" rtlCol="0" anchor="t" upright="0">
+      <a:bodyPr rot="0" spcFirstLastPara="1" vertOverflow="overflow" horzOverflow="overflow" vert="horz" wrap="square" lIns="45718" tIns="45718" rIns="45718" bIns="45718" numCol="1" spcCol="38100" rtlCol="0" anchor="t" upright="0">
         <a:spAutoFit/>
       </a:bodyPr>
       <a:lstStyle>
@@ -10557,10 +9259,10 @@
             </a:solidFill>
             <a:effectLst/>
             <a:uFillTx/>
-            <a:latin typeface="Arial"/>
-            <a:ea typeface="Arial"/>
-            <a:cs typeface="Arial"/>
-            <a:sym typeface="Arial"/>
+            <a:latin typeface="+mj-lt"/>
+            <a:ea typeface="+mj-ea"/>
+            <a:cs typeface="+mj-cs"/>
+            <a:sym typeface="Helvetica"/>
           </a:defRPr>
         </a:defPPr>
         <a:lvl1pPr marL="0" marR="0" indent="0" algn="l" defTabSz="914400" rtl="0" fontAlgn="auto" latinLnBrk="1" hangingPunct="0">
